--- a/figs/fig_modelpipeline_simple.pptx
+++ b/figs/fig_modelpipeline_simple.pptx
@@ -126,16 +126,32 @@
 </p:presentation>
 </file>
 
-<file path=ppt/revisionInfo.xml><?xml version="1.0" encoding="utf-8"?>
-<p1510:revInfo xmlns:a="http://schemas.openxmlformats.org/drawingml/2006/main" xmlns:r="http://schemas.openxmlformats.org/officeDocument/2006/relationships" xmlns:p1510="http://schemas.microsoft.com/office/powerpoint/2015/10/main">
-  <p1510:revLst>
-    <p1510:client id="{B67B1301-5EC6-D742-90CD-6E960294BC08}" v="34" dt="2025-05-20T17:59:50.416"/>
-  </p1510:revLst>
-</p1510:revInfo>
-</file>
-
 <file path=ppt/changesInfos/changesInfo1.xml><?xml version="1.0" encoding="utf-8"?>
 <pc:chgInfo xmlns:a="http://schemas.openxmlformats.org/drawingml/2006/main" xmlns:r="http://schemas.openxmlformats.org/officeDocument/2006/relationships" xmlns:ac="http://schemas.microsoft.com/office/drawing/2013/main/command" xmlns:pc="http://schemas.microsoft.com/office/powerpoint/2013/main/command">
+  <pc:docChgLst>
+    <pc:chgData name="Barkasi, Michael" userId="604489e9-c8b5-4a18-ae0d-3a3e29c44efc" providerId="ADAL" clId="{34238D2D-FAA1-DB40-8182-900D068C3C34}"/>
+    <pc:docChg chg="modSld">
+      <pc:chgData name="Barkasi, Michael" userId="604489e9-c8b5-4a18-ae0d-3a3e29c44efc" providerId="ADAL" clId="{34238D2D-FAA1-DB40-8182-900D068C3C34}" dt="2025-05-24T14:45:23.675" v="0" actId="20577"/>
+      <pc:docMkLst>
+        <pc:docMk/>
+      </pc:docMkLst>
+      <pc:sldChg chg="modSp mod">
+        <pc:chgData name="Barkasi, Michael" userId="604489e9-c8b5-4a18-ae0d-3a3e29c44efc" providerId="ADAL" clId="{34238D2D-FAA1-DB40-8182-900D068C3C34}" dt="2025-05-24T14:45:23.675" v="0" actId="20577"/>
+        <pc:sldMkLst>
+          <pc:docMk/>
+          <pc:sldMk cId="1160241537" sldId="256"/>
+        </pc:sldMkLst>
+        <pc:spChg chg="mod">
+          <ac:chgData name="Barkasi, Michael" userId="604489e9-c8b5-4a18-ae0d-3a3e29c44efc" providerId="ADAL" clId="{34238D2D-FAA1-DB40-8182-900D068C3C34}" dt="2025-05-24T14:45:23.675" v="0" actId="20577"/>
+          <ac:spMkLst>
+            <pc:docMk/>
+            <pc:sldMk cId="1160241537" sldId="256"/>
+            <ac:spMk id="4" creationId="{C3D01637-0D73-8DB6-A7D6-4A4AAC723513}"/>
+          </ac:spMkLst>
+        </pc:spChg>
+      </pc:sldChg>
+    </pc:docChg>
+  </pc:docChgLst>
   <pc:docChgLst>
     <pc:chgData name="Barkasi, Michael" userId="604489e9-c8b5-4a18-ae0d-3a3e29c44efc" providerId="ADAL" clId="{81E79797-102E-7D4D-B6A4-F91E3FB6CD0E}"/>
     <pc:docChg chg="modSld">
@@ -197,22 +213,6 @@
             <ac:spMk id="4" creationId="{C3D01637-0D73-8DB6-A7D6-4A4AAC723513}"/>
           </ac:spMkLst>
         </pc:spChg>
-        <pc:spChg chg="del mod">
-          <ac:chgData name="Barkasi, Michael" userId="604489e9-c8b5-4a18-ae0d-3a3e29c44efc" providerId="ADAL" clId="{B67B1301-5EC6-D742-90CD-6E960294BC08}" dt="2025-05-20T17:39:02.314" v="282" actId="478"/>
-          <ac:spMkLst>
-            <pc:docMk/>
-            <pc:sldMk cId="1160241537" sldId="256"/>
-            <ac:spMk id="5" creationId="{D939D469-E8B7-9E17-B797-BB20947D9EA3}"/>
-          </ac:spMkLst>
-        </pc:spChg>
-        <pc:spChg chg="del mod">
-          <ac:chgData name="Barkasi, Michael" userId="604489e9-c8b5-4a18-ae0d-3a3e29c44efc" providerId="ADAL" clId="{B67B1301-5EC6-D742-90CD-6E960294BC08}" dt="2025-05-20T17:41:35.723" v="359" actId="478"/>
-          <ac:spMkLst>
-            <pc:docMk/>
-            <pc:sldMk cId="1160241537" sldId="256"/>
-            <ac:spMk id="6" creationId="{275CDB5A-8744-247B-F37C-C69E1421FF90}"/>
-          </ac:spMkLst>
-        </pc:spChg>
         <pc:spChg chg="mod topLvl">
           <ac:chgData name="Barkasi, Michael" userId="604489e9-c8b5-4a18-ae0d-3a3e29c44efc" providerId="ADAL" clId="{B67B1301-5EC6-D742-90CD-6E960294BC08}" dt="2025-05-20T18:05:19.295" v="721" actId="113"/>
           <ac:spMkLst>
@@ -227,46 +227,6 @@
             <pc:docMk/>
             <pc:sldMk cId="1160241537" sldId="256"/>
             <ac:spMk id="8" creationId="{F1A18DD3-EC0A-2D37-43B1-51EE774A1600}"/>
-          </ac:spMkLst>
-        </pc:spChg>
-        <pc:spChg chg="del mod">
-          <ac:chgData name="Barkasi, Michael" userId="604489e9-c8b5-4a18-ae0d-3a3e29c44efc" providerId="ADAL" clId="{B67B1301-5EC6-D742-90CD-6E960294BC08}" dt="2025-05-20T17:41:41.810" v="362" actId="478"/>
-          <ac:spMkLst>
-            <pc:docMk/>
-            <pc:sldMk cId="1160241537" sldId="256"/>
-            <ac:spMk id="9" creationId="{21B1FB56-A586-8259-10E7-38DED12FC564}"/>
-          </ac:spMkLst>
-        </pc:spChg>
-        <pc:spChg chg="del">
-          <ac:chgData name="Barkasi, Michael" userId="604489e9-c8b5-4a18-ae0d-3a3e29c44efc" providerId="ADAL" clId="{B67B1301-5EC6-D742-90CD-6E960294BC08}" dt="2025-05-20T17:41:44.098" v="363" actId="478"/>
-          <ac:spMkLst>
-            <pc:docMk/>
-            <pc:sldMk cId="1160241537" sldId="256"/>
-            <ac:spMk id="10" creationId="{8537C156-CD87-5FE2-2A85-556935064C9E}"/>
-          </ac:spMkLst>
-        </pc:spChg>
-        <pc:spChg chg="del mod">
-          <ac:chgData name="Barkasi, Michael" userId="604489e9-c8b5-4a18-ae0d-3a3e29c44efc" providerId="ADAL" clId="{B67B1301-5EC6-D742-90CD-6E960294BC08}" dt="2025-05-20T17:42:49.041" v="453" actId="478"/>
-          <ac:spMkLst>
-            <pc:docMk/>
-            <pc:sldMk cId="1160241537" sldId="256"/>
-            <ac:spMk id="12" creationId="{4F8FF286-0A07-FD77-1F0F-A866C97EE4BC}"/>
-          </ac:spMkLst>
-        </pc:spChg>
-        <pc:spChg chg="del mod">
-          <ac:chgData name="Barkasi, Michael" userId="604489e9-c8b5-4a18-ae0d-3a3e29c44efc" providerId="ADAL" clId="{B67B1301-5EC6-D742-90CD-6E960294BC08}" dt="2025-05-20T17:42:55.778" v="457" actId="478"/>
-          <ac:spMkLst>
-            <pc:docMk/>
-            <pc:sldMk cId="1160241537" sldId="256"/>
-            <ac:spMk id="13" creationId="{BBE5A9FE-9F70-BD7B-C927-B56123905EDF}"/>
-          </ac:spMkLst>
-        </pc:spChg>
-        <pc:spChg chg="del mod">
-          <ac:chgData name="Barkasi, Michael" userId="604489e9-c8b5-4a18-ae0d-3a3e29c44efc" providerId="ADAL" clId="{B67B1301-5EC6-D742-90CD-6E960294BC08}" dt="2025-05-20T17:42:54.172" v="456" actId="478"/>
-          <ac:spMkLst>
-            <pc:docMk/>
-            <pc:sldMk cId="1160241537" sldId="256"/>
-            <ac:spMk id="14" creationId="{591FC567-7DB1-1928-DFCB-A119AEF9F1E5}"/>
           </ac:spMkLst>
         </pc:spChg>
         <pc:spChg chg="add mod topLvl">
@@ -285,68 +245,12 @@
             <ac:spMk id="17" creationId="{0ED99072-BE6C-C6ED-2867-FBA486153AC8}"/>
           </ac:spMkLst>
         </pc:spChg>
-        <pc:spChg chg="del mod">
-          <ac:chgData name="Barkasi, Michael" userId="604489e9-c8b5-4a18-ae0d-3a3e29c44efc" providerId="ADAL" clId="{B67B1301-5EC6-D742-90CD-6E960294BC08}" dt="2025-05-20T17:44:09.638" v="545" actId="478"/>
-          <ac:spMkLst>
-            <pc:docMk/>
-            <pc:sldMk cId="1160241537" sldId="256"/>
-            <ac:spMk id="18" creationId="{216C1992-1453-F5DF-D02F-A3FFD0F7D0E6}"/>
-          </ac:spMkLst>
-        </pc:spChg>
-        <pc:spChg chg="del mod">
-          <ac:chgData name="Barkasi, Michael" userId="604489e9-c8b5-4a18-ae0d-3a3e29c44efc" providerId="ADAL" clId="{B67B1301-5EC6-D742-90CD-6E960294BC08}" dt="2025-05-20T17:44:11.454" v="546" actId="478"/>
-          <ac:spMkLst>
-            <pc:docMk/>
-            <pc:sldMk cId="1160241537" sldId="256"/>
-            <ac:spMk id="19" creationId="{2C7B896B-4EB7-A458-0BA7-288847A9F9F1}"/>
-          </ac:spMkLst>
-        </pc:spChg>
-        <pc:spChg chg="del">
-          <ac:chgData name="Barkasi, Michael" userId="604489e9-c8b5-4a18-ae0d-3a3e29c44efc" providerId="ADAL" clId="{B67B1301-5EC6-D742-90CD-6E960294BC08}" dt="2025-05-20T17:44:08.182" v="544" actId="478"/>
-          <ac:spMkLst>
-            <pc:docMk/>
-            <pc:sldMk cId="1160241537" sldId="256"/>
-            <ac:spMk id="20" creationId="{555A90AE-553C-0FBA-1AE8-DD3551B66644}"/>
-          </ac:spMkLst>
-        </pc:spChg>
-        <pc:spChg chg="del mod">
-          <ac:chgData name="Barkasi, Michael" userId="604489e9-c8b5-4a18-ae0d-3a3e29c44efc" providerId="ADAL" clId="{B67B1301-5EC6-D742-90CD-6E960294BC08}" dt="2025-05-20T17:45:45.892" v="662" actId="478"/>
-          <ac:spMkLst>
-            <pc:docMk/>
-            <pc:sldMk cId="1160241537" sldId="256"/>
-            <ac:spMk id="21" creationId="{D993C667-A411-0D44-DC50-F066113990D5}"/>
-          </ac:spMkLst>
-        </pc:spChg>
-        <pc:spChg chg="del">
-          <ac:chgData name="Barkasi, Michael" userId="604489e9-c8b5-4a18-ae0d-3a3e29c44efc" providerId="ADAL" clId="{B67B1301-5EC6-D742-90CD-6E960294BC08}" dt="2025-05-20T17:45:58.977" v="664" actId="478"/>
-          <ac:spMkLst>
-            <pc:docMk/>
-            <pc:sldMk cId="1160241537" sldId="256"/>
-            <ac:spMk id="22" creationId="{C426233E-729F-C33F-0729-29405FDEB290}"/>
-          </ac:spMkLst>
-        </pc:spChg>
-        <pc:spChg chg="del">
-          <ac:chgData name="Barkasi, Michael" userId="604489e9-c8b5-4a18-ae0d-3a3e29c44efc" providerId="ADAL" clId="{B67B1301-5EC6-D742-90CD-6E960294BC08}" dt="2025-05-20T17:45:58.977" v="664" actId="478"/>
-          <ac:spMkLst>
-            <pc:docMk/>
-            <pc:sldMk cId="1160241537" sldId="256"/>
-            <ac:spMk id="23" creationId="{605A7A19-B52F-C7BD-AA21-0D866697F1B1}"/>
-          </ac:spMkLst>
-        </pc:spChg>
         <pc:spChg chg="add del mod topLvl">
           <ac:chgData name="Barkasi, Michael" userId="604489e9-c8b5-4a18-ae0d-3a3e29c44efc" providerId="ADAL" clId="{B67B1301-5EC6-D742-90CD-6E960294BC08}" dt="2025-05-20T18:06:16.371" v="1028" actId="207"/>
           <ac:spMkLst>
             <pc:docMk/>
             <pc:sldMk cId="1160241537" sldId="256"/>
             <ac:spMk id="24" creationId="{F2AE5BF2-B873-D4ED-ADA6-CA984B76A265}"/>
-          </ac:spMkLst>
-        </pc:spChg>
-        <pc:spChg chg="del mod">
-          <ac:chgData name="Barkasi, Michael" userId="604489e9-c8b5-4a18-ae0d-3a3e29c44efc" providerId="ADAL" clId="{B67B1301-5EC6-D742-90CD-6E960294BC08}" dt="2025-05-20T17:39:02.314" v="282" actId="478"/>
-          <ac:spMkLst>
-            <pc:docMk/>
-            <pc:sldMk cId="1160241537" sldId="256"/>
-            <ac:spMk id="25" creationId="{F51AFFE9-3039-D4BF-DFB0-67E60D747199}"/>
           </ac:spMkLst>
         </pc:spChg>
         <pc:spChg chg="add del mod topLvl">
@@ -365,36 +269,12 @@
             <ac:spMk id="29" creationId="{87557A99-5F78-9C55-2F7B-5D302C73AB43}"/>
           </ac:spMkLst>
         </pc:spChg>
-        <pc:spChg chg="del mod">
-          <ac:chgData name="Barkasi, Michael" userId="604489e9-c8b5-4a18-ae0d-3a3e29c44efc" providerId="ADAL" clId="{B67B1301-5EC6-D742-90CD-6E960294BC08}" dt="2025-05-20T17:41:45.799" v="364" actId="478"/>
-          <ac:spMkLst>
-            <pc:docMk/>
-            <pc:sldMk cId="1160241537" sldId="256"/>
-            <ac:spMk id="30" creationId="{E18C2685-4787-14BD-75AB-AF7669E14AD6}"/>
-          </ac:spMkLst>
-        </pc:spChg>
         <pc:spChg chg="mod topLvl">
           <ac:chgData name="Barkasi, Michael" userId="604489e9-c8b5-4a18-ae0d-3a3e29c44efc" providerId="ADAL" clId="{B67B1301-5EC6-D742-90CD-6E960294BC08}" dt="2025-05-20T18:05:30.689" v="725" actId="113"/>
           <ac:spMkLst>
             <pc:docMk/>
             <pc:sldMk cId="1160241537" sldId="256"/>
             <ac:spMk id="35" creationId="{173E1837-9B21-091E-CB95-51C6BA675180}"/>
-          </ac:spMkLst>
-        </pc:spChg>
-        <pc:spChg chg="del">
-          <ac:chgData name="Barkasi, Michael" userId="604489e9-c8b5-4a18-ae0d-3a3e29c44efc" providerId="ADAL" clId="{B67B1301-5EC6-D742-90CD-6E960294BC08}" dt="2025-05-20T17:45:58.977" v="664" actId="478"/>
-          <ac:spMkLst>
-            <pc:docMk/>
-            <pc:sldMk cId="1160241537" sldId="256"/>
-            <ac:spMk id="36" creationId="{BDE48ABD-626C-99C2-C009-F22AB825D14D}"/>
-          </ac:spMkLst>
-        </pc:spChg>
-        <pc:spChg chg="del mod">
-          <ac:chgData name="Barkasi, Michael" userId="604489e9-c8b5-4a18-ae0d-3a3e29c44efc" providerId="ADAL" clId="{B67B1301-5EC6-D742-90CD-6E960294BC08}" dt="2025-05-20T17:45:58.977" v="664" actId="478"/>
-          <ac:spMkLst>
-            <pc:docMk/>
-            <pc:sldMk cId="1160241537" sldId="256"/>
-            <ac:spMk id="37" creationId="{DDCCD322-76D1-1775-DBB9-AB2E6FEF1439}"/>
           </ac:spMkLst>
         </pc:spChg>
         <pc:spChg chg="add mod topLvl">
@@ -437,36 +317,12 @@
             <ac:spMk id="52" creationId="{15F379EA-285B-8957-9AB7-DE071420BCFF}"/>
           </ac:spMkLst>
         </pc:spChg>
-        <pc:spChg chg="del">
-          <ac:chgData name="Barkasi, Michael" userId="604489e9-c8b5-4a18-ae0d-3a3e29c44efc" providerId="ADAL" clId="{B67B1301-5EC6-D742-90CD-6E960294BC08}" dt="2025-05-20T17:22:27.463" v="28" actId="478"/>
-          <ac:spMkLst>
-            <pc:docMk/>
-            <pc:sldMk cId="1160241537" sldId="256"/>
-            <ac:spMk id="58" creationId="{F1561F8C-BCEC-C3CD-A51F-437A593F2924}"/>
-          </ac:spMkLst>
-        </pc:spChg>
-        <pc:spChg chg="del">
-          <ac:chgData name="Barkasi, Michael" userId="604489e9-c8b5-4a18-ae0d-3a3e29c44efc" providerId="ADAL" clId="{B67B1301-5EC6-D742-90CD-6E960294BC08}" dt="2025-05-20T17:22:29.336" v="29" actId="478"/>
-          <ac:spMkLst>
-            <pc:docMk/>
-            <pc:sldMk cId="1160241537" sldId="256"/>
-            <ac:spMk id="59" creationId="{AE31AA5D-2DC8-B256-C0C5-52E2DDCBCCC4}"/>
-          </ac:spMkLst>
-        </pc:spChg>
         <pc:spChg chg="add mod">
           <ac:chgData name="Barkasi, Michael" userId="604489e9-c8b5-4a18-ae0d-3a3e29c44efc" providerId="ADAL" clId="{B67B1301-5EC6-D742-90CD-6E960294BC08}" dt="2025-05-20T18:07:11.227" v="1052" actId="207"/>
           <ac:spMkLst>
             <pc:docMk/>
             <pc:sldMk cId="1160241537" sldId="256"/>
             <ac:spMk id="62" creationId="{490FBFC1-0214-04FD-F07D-F1961C6671DC}"/>
-          </ac:spMkLst>
-        </pc:spChg>
-        <pc:spChg chg="del">
-          <ac:chgData name="Barkasi, Michael" userId="604489e9-c8b5-4a18-ae0d-3a3e29c44efc" providerId="ADAL" clId="{B67B1301-5EC6-D742-90CD-6E960294BC08}" dt="2025-05-20T17:21:36.158" v="0" actId="478"/>
-          <ac:spMkLst>
-            <pc:docMk/>
-            <pc:sldMk cId="1160241537" sldId="256"/>
-            <ac:spMk id="65" creationId="{8C3AA79E-9D9C-3D51-3BAE-B64FEFD90CB3}"/>
           </ac:spMkLst>
         </pc:spChg>
         <pc:spChg chg="add mod">
@@ -493,22 +349,6 @@
             <ac:spMk id="68" creationId="{9F64B465-9A5C-D46D-06CE-3B7E559A4998}"/>
           </ac:spMkLst>
         </pc:spChg>
-        <pc:spChg chg="del mod">
-          <ac:chgData name="Barkasi, Michael" userId="604489e9-c8b5-4a18-ae0d-3a3e29c44efc" providerId="ADAL" clId="{B67B1301-5EC6-D742-90CD-6E960294BC08}" dt="2025-05-20T17:39:02.314" v="282" actId="478"/>
-          <ac:spMkLst>
-            <pc:docMk/>
-            <pc:sldMk cId="1160241537" sldId="256"/>
-            <ac:spMk id="73" creationId="{A0A11E2F-84E4-B464-4D7C-A712AF23F9D7}"/>
-          </ac:spMkLst>
-        </pc:spChg>
-        <pc:spChg chg="del">
-          <ac:chgData name="Barkasi, Michael" userId="604489e9-c8b5-4a18-ae0d-3a3e29c44efc" providerId="ADAL" clId="{B67B1301-5EC6-D742-90CD-6E960294BC08}" dt="2025-05-20T17:44:05.963" v="543" actId="478"/>
-          <ac:spMkLst>
-            <pc:docMk/>
-            <pc:sldMk cId="1160241537" sldId="256"/>
-            <ac:spMk id="77" creationId="{BD84AEB1-6662-C56D-7E67-69415C00445B}"/>
-          </ac:spMkLst>
-        </pc:spChg>
         <pc:spChg chg="mod topLvl">
           <ac:chgData name="Barkasi, Michael" userId="604489e9-c8b5-4a18-ae0d-3a3e29c44efc" providerId="ADAL" clId="{B67B1301-5EC6-D742-90CD-6E960294BC08}" dt="2025-05-20T18:05:25.513" v="723" actId="113"/>
           <ac:spMkLst>
@@ -517,380 +357,12 @@
             <ac:spMk id="95" creationId="{CF8CA884-D9AC-FF4D-86A3-BC3CBD156D3D}"/>
           </ac:spMkLst>
         </pc:spChg>
-        <pc:spChg chg="del">
-          <ac:chgData name="Barkasi, Michael" userId="604489e9-c8b5-4a18-ae0d-3a3e29c44efc" providerId="ADAL" clId="{B67B1301-5EC6-D742-90CD-6E960294BC08}" dt="2025-05-20T17:22:23.906" v="27" actId="478"/>
-          <ac:spMkLst>
-            <pc:docMk/>
-            <pc:sldMk cId="1160241537" sldId="256"/>
-            <ac:spMk id="104" creationId="{57366E12-DA1C-9FF0-189E-E03F2BBD9E7A}"/>
-          </ac:spMkLst>
-        </pc:spChg>
-        <pc:spChg chg="del">
-          <ac:chgData name="Barkasi, Michael" userId="604489e9-c8b5-4a18-ae0d-3a3e29c44efc" providerId="ADAL" clId="{B67B1301-5EC6-D742-90CD-6E960294BC08}" dt="2025-05-20T17:21:46.500" v="5" actId="478"/>
-          <ac:spMkLst>
-            <pc:docMk/>
-            <pc:sldMk cId="1160241537" sldId="256"/>
-            <ac:spMk id="115" creationId="{3C682350-AD72-104A-1E02-14153DED0196}"/>
-          </ac:spMkLst>
-        </pc:spChg>
-        <pc:spChg chg="del">
-          <ac:chgData name="Barkasi, Michael" userId="604489e9-c8b5-4a18-ae0d-3a3e29c44efc" providerId="ADAL" clId="{B67B1301-5EC6-D742-90CD-6E960294BC08}" dt="2025-05-20T17:21:44.350" v="4" actId="478"/>
-          <ac:spMkLst>
-            <pc:docMk/>
-            <pc:sldMk cId="1160241537" sldId="256"/>
-            <ac:spMk id="116" creationId="{77122586-DEDA-A882-A04E-08BED3FCA42A}"/>
-          </ac:spMkLst>
-        </pc:spChg>
-        <pc:spChg chg="del mod">
-          <ac:chgData name="Barkasi, Michael" userId="604489e9-c8b5-4a18-ae0d-3a3e29c44efc" providerId="ADAL" clId="{B67B1301-5EC6-D742-90CD-6E960294BC08}" dt="2025-05-20T17:39:02.314" v="282" actId="478"/>
-          <ac:spMkLst>
-            <pc:docMk/>
-            <pc:sldMk cId="1160241537" sldId="256"/>
-            <ac:spMk id="222" creationId="{4347C1AD-D470-D075-EABD-559DDCD07689}"/>
-          </ac:spMkLst>
-        </pc:spChg>
-        <pc:spChg chg="del">
-          <ac:chgData name="Barkasi, Michael" userId="604489e9-c8b5-4a18-ae0d-3a3e29c44efc" providerId="ADAL" clId="{B67B1301-5EC6-D742-90CD-6E960294BC08}" dt="2025-05-20T17:21:39.115" v="2" actId="478"/>
-          <ac:spMkLst>
-            <pc:docMk/>
-            <pc:sldMk cId="1160241537" sldId="256"/>
-            <ac:spMk id="363" creationId="{9F3C995B-3C9B-B261-7A0C-8A01C81ACB01}"/>
-          </ac:spMkLst>
-        </pc:spChg>
-        <pc:spChg chg="del">
-          <ac:chgData name="Barkasi, Michael" userId="604489e9-c8b5-4a18-ae0d-3a3e29c44efc" providerId="ADAL" clId="{B67B1301-5EC6-D742-90CD-6E960294BC08}" dt="2025-05-20T17:21:37.194" v="1" actId="478"/>
-          <ac:spMkLst>
-            <pc:docMk/>
-            <pc:sldMk cId="1160241537" sldId="256"/>
-            <ac:spMk id="364" creationId="{486B9CFF-E460-B596-17BE-68E324EF69B3}"/>
-          </ac:spMkLst>
-        </pc:spChg>
-        <pc:spChg chg="del">
-          <ac:chgData name="Barkasi, Michael" userId="604489e9-c8b5-4a18-ae0d-3a3e29c44efc" providerId="ADAL" clId="{B67B1301-5EC6-D742-90CD-6E960294BC08}" dt="2025-05-20T17:21:57.931" v="11" actId="478"/>
-          <ac:spMkLst>
-            <pc:docMk/>
-            <pc:sldMk cId="1160241537" sldId="256"/>
-            <ac:spMk id="365" creationId="{ADD9ED73-0699-3D0A-925D-048D9402F34E}"/>
-          </ac:spMkLst>
-        </pc:spChg>
-        <pc:spChg chg="del">
-          <ac:chgData name="Barkasi, Michael" userId="604489e9-c8b5-4a18-ae0d-3a3e29c44efc" providerId="ADAL" clId="{B67B1301-5EC6-D742-90CD-6E960294BC08}" dt="2025-05-20T17:21:54.490" v="9" actId="478"/>
-          <ac:spMkLst>
-            <pc:docMk/>
-            <pc:sldMk cId="1160241537" sldId="256"/>
-            <ac:spMk id="366" creationId="{98C52A0C-0CE2-7FA9-BB9E-E98439BE875F}"/>
-          </ac:spMkLst>
-        </pc:spChg>
-        <pc:spChg chg="del">
-          <ac:chgData name="Barkasi, Michael" userId="604489e9-c8b5-4a18-ae0d-3a3e29c44efc" providerId="ADAL" clId="{B67B1301-5EC6-D742-90CD-6E960294BC08}" dt="2025-05-20T17:21:50.316" v="6" actId="478"/>
-          <ac:spMkLst>
-            <pc:docMk/>
-            <pc:sldMk cId="1160241537" sldId="256"/>
-            <ac:spMk id="367" creationId="{F4C22F3B-FB9B-9308-09F3-2FB2B62FA620}"/>
-          </ac:spMkLst>
-        </pc:spChg>
-        <pc:spChg chg="del">
-          <ac:chgData name="Barkasi, Michael" userId="604489e9-c8b5-4a18-ae0d-3a3e29c44efc" providerId="ADAL" clId="{B67B1301-5EC6-D742-90CD-6E960294BC08}" dt="2025-05-20T17:21:59.919" v="13" actId="478"/>
-          <ac:spMkLst>
-            <pc:docMk/>
-            <pc:sldMk cId="1160241537" sldId="256"/>
-            <ac:spMk id="368" creationId="{107F7E7B-56D5-717A-ECB2-2632B66D938D}"/>
-          </ac:spMkLst>
-        </pc:spChg>
-        <pc:spChg chg="del">
-          <ac:chgData name="Barkasi, Michael" userId="604489e9-c8b5-4a18-ae0d-3a3e29c44efc" providerId="ADAL" clId="{B67B1301-5EC6-D742-90CD-6E960294BC08}" dt="2025-05-20T17:21:58.794" v="12" actId="478"/>
-          <ac:spMkLst>
-            <pc:docMk/>
-            <pc:sldMk cId="1160241537" sldId="256"/>
-            <ac:spMk id="369" creationId="{CFBB6ECE-67B9-FED7-1C23-8CBF368122F3}"/>
-          </ac:spMkLst>
-        </pc:spChg>
-        <pc:spChg chg="del topLvl">
-          <ac:chgData name="Barkasi, Michael" userId="604489e9-c8b5-4a18-ae0d-3a3e29c44efc" providerId="ADAL" clId="{B67B1301-5EC6-D742-90CD-6E960294BC08}" dt="2025-05-20T17:22:08.306" v="18" actId="478"/>
-          <ac:spMkLst>
-            <pc:docMk/>
-            <pc:sldMk cId="1160241537" sldId="256"/>
-            <ac:spMk id="370" creationId="{CC99C6EF-3D44-9499-D394-094FFEB04FDD}"/>
-          </ac:spMkLst>
-        </pc:spChg>
-        <pc:spChg chg="del">
-          <ac:chgData name="Barkasi, Michael" userId="604489e9-c8b5-4a18-ae0d-3a3e29c44efc" providerId="ADAL" clId="{B67B1301-5EC6-D742-90CD-6E960294BC08}" dt="2025-05-20T17:22:11.800" v="20" actId="478"/>
-          <ac:spMkLst>
-            <pc:docMk/>
-            <pc:sldMk cId="1160241537" sldId="256"/>
-            <ac:spMk id="372" creationId="{D0BF1455-2E79-FFD7-87A9-61ADBC848FC6}"/>
-          </ac:spMkLst>
-        </pc:spChg>
-        <pc:spChg chg="del mod topLvl">
-          <ac:chgData name="Barkasi, Michael" userId="604489e9-c8b5-4a18-ae0d-3a3e29c44efc" providerId="ADAL" clId="{B67B1301-5EC6-D742-90CD-6E960294BC08}" dt="2025-05-20T17:22:04.701" v="16" actId="478"/>
-          <ac:spMkLst>
-            <pc:docMk/>
-            <pc:sldMk cId="1160241537" sldId="256"/>
-            <ac:spMk id="373" creationId="{5E123884-2B9E-3027-5C90-F85CA08DF19D}"/>
-          </ac:spMkLst>
-        </pc:spChg>
-        <pc:spChg chg="del mod topLvl">
-          <ac:chgData name="Barkasi, Michael" userId="604489e9-c8b5-4a18-ae0d-3a3e29c44efc" providerId="ADAL" clId="{B67B1301-5EC6-D742-90CD-6E960294BC08}" dt="2025-05-20T17:22:03.584" v="15" actId="478"/>
-          <ac:spMkLst>
-            <pc:docMk/>
-            <pc:sldMk cId="1160241537" sldId="256"/>
-            <ac:spMk id="376" creationId="{1E4A9A9B-8914-843E-0A7A-30F98DC31C91}"/>
-          </ac:spMkLst>
-        </pc:spChg>
-        <pc:spChg chg="del topLvl">
-          <ac:chgData name="Barkasi, Michael" userId="604489e9-c8b5-4a18-ae0d-3a3e29c44efc" providerId="ADAL" clId="{B67B1301-5EC6-D742-90CD-6E960294BC08}" dt="2025-05-20T17:22:07.050" v="17" actId="478"/>
-          <ac:spMkLst>
-            <pc:docMk/>
-            <pc:sldMk cId="1160241537" sldId="256"/>
-            <ac:spMk id="378" creationId="{E606D581-B0CD-E6C1-1D8D-7A30286B2AF3}"/>
-          </ac:spMkLst>
-        </pc:spChg>
-        <pc:spChg chg="del">
-          <ac:chgData name="Barkasi, Michael" userId="604489e9-c8b5-4a18-ae0d-3a3e29c44efc" providerId="ADAL" clId="{B67B1301-5EC6-D742-90CD-6E960294BC08}" dt="2025-05-20T17:22:10.598" v="19" actId="478"/>
-          <ac:spMkLst>
-            <pc:docMk/>
-            <pc:sldMk cId="1160241537" sldId="256"/>
-            <ac:spMk id="380" creationId="{E9A6C564-6434-8607-7490-B2DD3FB435CD}"/>
-          </ac:spMkLst>
-        </pc:spChg>
-        <pc:spChg chg="del">
-          <ac:chgData name="Barkasi, Michael" userId="604489e9-c8b5-4a18-ae0d-3a3e29c44efc" providerId="ADAL" clId="{B67B1301-5EC6-D742-90CD-6E960294BC08}" dt="2025-05-20T17:21:56.425" v="10" actId="478"/>
-          <ac:spMkLst>
-            <pc:docMk/>
-            <pc:sldMk cId="1160241537" sldId="256"/>
-            <ac:spMk id="382" creationId="{CC033841-BB8D-857B-FA99-FFD6B744A559}"/>
-          </ac:spMkLst>
-        </pc:spChg>
-        <pc:spChg chg="del">
-          <ac:chgData name="Barkasi, Michael" userId="604489e9-c8b5-4a18-ae0d-3a3e29c44efc" providerId="ADAL" clId="{B67B1301-5EC6-D742-90CD-6E960294BC08}" dt="2025-05-20T17:21:51.714" v="7" actId="478"/>
-          <ac:spMkLst>
-            <pc:docMk/>
-            <pc:sldMk cId="1160241537" sldId="256"/>
-            <ac:spMk id="384" creationId="{0A82904A-A3FC-1120-3D53-1DB9CF896F30}"/>
-          </ac:spMkLst>
-        </pc:spChg>
-        <pc:spChg chg="del">
-          <ac:chgData name="Barkasi, Michael" userId="604489e9-c8b5-4a18-ae0d-3a3e29c44efc" providerId="ADAL" clId="{B67B1301-5EC6-D742-90CD-6E960294BC08}" dt="2025-05-20T17:21:52.897" v="8" actId="478"/>
-          <ac:spMkLst>
-            <pc:docMk/>
-            <pc:sldMk cId="1160241537" sldId="256"/>
-            <ac:spMk id="386" creationId="{5248CAB0-51CC-3CE5-B22E-9BAB93A77674}"/>
-          </ac:spMkLst>
-        </pc:spChg>
-        <pc:spChg chg="del">
-          <ac:chgData name="Barkasi, Michael" userId="604489e9-c8b5-4a18-ae0d-3a3e29c44efc" providerId="ADAL" clId="{B67B1301-5EC6-D742-90CD-6E960294BC08}" dt="2025-05-20T17:22:15.672" v="22" actId="478"/>
-          <ac:spMkLst>
-            <pc:docMk/>
-            <pc:sldMk cId="1160241537" sldId="256"/>
-            <ac:spMk id="387" creationId="{83378D40-C98B-B342-9AD3-C6064275E58F}"/>
-          </ac:spMkLst>
-        </pc:spChg>
-        <pc:spChg chg="del">
-          <ac:chgData name="Barkasi, Michael" userId="604489e9-c8b5-4a18-ae0d-3a3e29c44efc" providerId="ADAL" clId="{B67B1301-5EC6-D742-90CD-6E960294BC08}" dt="2025-05-20T17:22:14.771" v="21" actId="478"/>
-          <ac:spMkLst>
-            <pc:docMk/>
-            <pc:sldMk cId="1160241537" sldId="256"/>
-            <ac:spMk id="388" creationId="{10EBA3DD-78B4-4D7D-AB35-0327B8F61775}"/>
-          </ac:spMkLst>
-        </pc:spChg>
-        <pc:spChg chg="del">
-          <ac:chgData name="Barkasi, Michael" userId="604489e9-c8b5-4a18-ae0d-3a3e29c44efc" providerId="ADAL" clId="{B67B1301-5EC6-D742-90CD-6E960294BC08}" dt="2025-05-20T17:22:18.744" v="24" actId="478"/>
-          <ac:spMkLst>
-            <pc:docMk/>
-            <pc:sldMk cId="1160241537" sldId="256"/>
-            <ac:spMk id="390" creationId="{B92A9EFF-9113-2139-90D0-848AAD8E41D0}"/>
-          </ac:spMkLst>
-        </pc:spChg>
-        <pc:spChg chg="del">
-          <ac:chgData name="Barkasi, Michael" userId="604489e9-c8b5-4a18-ae0d-3a3e29c44efc" providerId="ADAL" clId="{B67B1301-5EC6-D742-90CD-6E960294BC08}" dt="2025-05-20T17:22:17.862" v="23" actId="478"/>
-          <ac:spMkLst>
-            <pc:docMk/>
-            <pc:sldMk cId="1160241537" sldId="256"/>
-            <ac:spMk id="391" creationId="{664ABE58-5D78-C128-27FD-1255C1963278}"/>
-          </ac:spMkLst>
-        </pc:spChg>
-        <pc:spChg chg="del topLvl">
-          <ac:chgData name="Barkasi, Michael" userId="604489e9-c8b5-4a18-ae0d-3a3e29c44efc" providerId="ADAL" clId="{B67B1301-5EC6-D742-90CD-6E960294BC08}" dt="2025-05-20T17:22:20.998" v="25" actId="478"/>
-          <ac:spMkLst>
-            <pc:docMk/>
-            <pc:sldMk cId="1160241537" sldId="256"/>
-            <ac:spMk id="392" creationId="{47A8D240-36A6-246F-5E31-18BBA477F933}"/>
-          </ac:spMkLst>
-        </pc:spChg>
-        <pc:spChg chg="del topLvl">
-          <ac:chgData name="Barkasi, Michael" userId="604489e9-c8b5-4a18-ae0d-3a3e29c44efc" providerId="ADAL" clId="{B67B1301-5EC6-D742-90CD-6E960294BC08}" dt="2025-05-20T17:22:22.072" v="26" actId="478"/>
-          <ac:spMkLst>
-            <pc:docMk/>
-            <pc:sldMk cId="1160241537" sldId="256"/>
-            <ac:spMk id="394" creationId="{9C870D71-0DEE-B3B1-ACA3-046F8AAD761B}"/>
-          </ac:spMkLst>
-        </pc:spChg>
-        <pc:spChg chg="del">
-          <ac:chgData name="Barkasi, Michael" userId="604489e9-c8b5-4a18-ae0d-3a3e29c44efc" providerId="ADAL" clId="{B67B1301-5EC6-D742-90CD-6E960294BC08}" dt="2025-05-20T17:21:41.590" v="3" actId="478"/>
-          <ac:spMkLst>
-            <pc:docMk/>
-            <pc:sldMk cId="1160241537" sldId="256"/>
-            <ac:spMk id="395" creationId="{E5176749-5556-9B8C-B9A8-700EF6819980}"/>
-          </ac:spMkLst>
-        </pc:spChg>
-        <pc:spChg chg="del mod">
-          <ac:chgData name="Barkasi, Michael" userId="604489e9-c8b5-4a18-ae0d-3a3e29c44efc" providerId="ADAL" clId="{B67B1301-5EC6-D742-90CD-6E960294BC08}" dt="2025-05-20T17:45:58.977" v="664" actId="478"/>
-          <ac:spMkLst>
-            <pc:docMk/>
-            <pc:sldMk cId="1160241537" sldId="256"/>
-            <ac:spMk id="396" creationId="{EA924F54-2CC9-AE45-B452-09F3208A44D9}"/>
-          </ac:spMkLst>
-        </pc:spChg>
-        <pc:grpChg chg="add del mod">
-          <ac:chgData name="Barkasi, Michael" userId="604489e9-c8b5-4a18-ae0d-3a3e29c44efc" providerId="ADAL" clId="{B67B1301-5EC6-D742-90CD-6E960294BC08}" dt="2025-05-20T17:51:13.082" v="693" actId="165"/>
-          <ac:grpSpMkLst>
-            <pc:docMk/>
-            <pc:sldMk cId="1160241537" sldId="256"/>
-            <ac:grpSpMk id="53" creationId="{E2C405A8-7E33-7083-C1F2-1A1D4A216D95}"/>
-          </ac:grpSpMkLst>
-        </pc:grpChg>
-        <pc:grpChg chg="add del mod">
-          <ac:chgData name="Barkasi, Michael" userId="604489e9-c8b5-4a18-ae0d-3a3e29c44efc" providerId="ADAL" clId="{B67B1301-5EC6-D742-90CD-6E960294BC08}" dt="2025-05-20T17:58:15.461" v="714" actId="165"/>
-          <ac:grpSpMkLst>
-            <pc:docMk/>
-            <pc:sldMk cId="1160241537" sldId="256"/>
-            <ac:grpSpMk id="54" creationId="{589EED0E-8986-6469-24D8-DD7B6EC9419F}"/>
-          </ac:grpSpMkLst>
-        </pc:grpChg>
-        <pc:grpChg chg="add del mod">
-          <ac:chgData name="Barkasi, Michael" userId="604489e9-c8b5-4a18-ae0d-3a3e29c44efc" providerId="ADAL" clId="{B67B1301-5EC6-D742-90CD-6E960294BC08}" dt="2025-05-20T17:56:05.200" v="704" actId="165"/>
-          <ac:grpSpMkLst>
-            <pc:docMk/>
-            <pc:sldMk cId="1160241537" sldId="256"/>
-            <ac:grpSpMk id="55" creationId="{7D6391C8-C829-F6DD-146D-3DD3EDF62B78}"/>
-          </ac:grpSpMkLst>
-        </pc:grpChg>
-        <pc:grpChg chg="add del mod">
-          <ac:chgData name="Barkasi, Michael" userId="604489e9-c8b5-4a18-ae0d-3a3e29c44efc" providerId="ADAL" clId="{B67B1301-5EC6-D742-90CD-6E960294BC08}" dt="2025-05-20T17:57:49.945" v="711" actId="165"/>
-          <ac:grpSpMkLst>
-            <pc:docMk/>
-            <pc:sldMk cId="1160241537" sldId="256"/>
-            <ac:grpSpMk id="57" creationId="{EB411469-A86B-7CC1-AEAB-DABA3190599D}"/>
-          </ac:grpSpMkLst>
-        </pc:grpChg>
-        <pc:grpChg chg="add del mod">
-          <ac:chgData name="Barkasi, Michael" userId="604489e9-c8b5-4a18-ae0d-3a3e29c44efc" providerId="ADAL" clId="{B67B1301-5EC6-D742-90CD-6E960294BC08}" dt="2025-05-20T17:57:29.296" v="709" actId="165"/>
-          <ac:grpSpMkLst>
-            <pc:docMk/>
-            <pc:sldMk cId="1160241537" sldId="256"/>
-            <ac:grpSpMk id="60" creationId="{14AEEAA9-3F1E-911C-E2A1-CD8A7FD09B33}"/>
-          </ac:grpSpMkLst>
-        </pc:grpChg>
-        <pc:grpChg chg="del">
-          <ac:chgData name="Barkasi, Michael" userId="604489e9-c8b5-4a18-ae0d-3a3e29c44efc" providerId="ADAL" clId="{B67B1301-5EC6-D742-90CD-6E960294BC08}" dt="2025-05-20T17:22:07.050" v="17" actId="478"/>
-          <ac:grpSpMkLst>
-            <pc:docMk/>
-            <pc:sldMk cId="1160241537" sldId="256"/>
-            <ac:grpSpMk id="109" creationId="{3CA072AD-43E8-C6CB-0DC3-0F5D984FDD6B}"/>
-          </ac:grpSpMkLst>
-        </pc:grpChg>
-        <pc:grpChg chg="del mod">
-          <ac:chgData name="Barkasi, Michael" userId="604489e9-c8b5-4a18-ae0d-3a3e29c44efc" providerId="ADAL" clId="{B67B1301-5EC6-D742-90CD-6E960294BC08}" dt="2025-05-20T17:22:03.584" v="15" actId="478"/>
-          <ac:grpSpMkLst>
-            <pc:docMk/>
-            <pc:sldMk cId="1160241537" sldId="256"/>
-            <ac:grpSpMk id="112" creationId="{F7D62CFE-0310-9AD9-4B96-D8BE0AD8F464}"/>
-          </ac:grpSpMkLst>
-        </pc:grpChg>
-        <pc:grpChg chg="del">
-          <ac:chgData name="Barkasi, Michael" userId="604489e9-c8b5-4a18-ae0d-3a3e29c44efc" providerId="ADAL" clId="{B67B1301-5EC6-D742-90CD-6E960294BC08}" dt="2025-05-20T17:22:20.998" v="25" actId="478"/>
-          <ac:grpSpMkLst>
-            <pc:docMk/>
-            <pc:sldMk cId="1160241537" sldId="256"/>
-            <ac:grpSpMk id="113" creationId="{1B5A2C18-B496-5F1E-DC9D-BA35572095A2}"/>
-          </ac:grpSpMkLst>
-        </pc:grpChg>
-        <pc:cxnChg chg="del">
-          <ac:chgData name="Barkasi, Michael" userId="604489e9-c8b5-4a18-ae0d-3a3e29c44efc" providerId="ADAL" clId="{B67B1301-5EC6-D742-90CD-6E960294BC08}" dt="2025-05-20T17:37:00.887" v="167" actId="478"/>
-          <ac:cxnSpMkLst>
-            <pc:docMk/>
-            <pc:sldMk cId="1160241537" sldId="256"/>
-            <ac:cxnSpMk id="2" creationId="{09C1AFDB-B14B-25F5-F94E-6ACB6BEF24EF}"/>
-          </ac:cxnSpMkLst>
-        </pc:cxnChg>
-        <pc:cxnChg chg="del">
-          <ac:chgData name="Barkasi, Michael" userId="604489e9-c8b5-4a18-ae0d-3a3e29c44efc" providerId="ADAL" clId="{B67B1301-5EC6-D742-90CD-6E960294BC08}" dt="2025-05-20T17:37:11.070" v="174" actId="478"/>
-          <ac:cxnSpMkLst>
-            <pc:docMk/>
-            <pc:sldMk cId="1160241537" sldId="256"/>
-            <ac:cxnSpMk id="3" creationId="{16D8DF94-749C-D468-5C7B-974AA2E001E7}"/>
-          </ac:cxnSpMkLst>
-        </pc:cxnChg>
-        <pc:cxnChg chg="del">
-          <ac:chgData name="Barkasi, Michael" userId="604489e9-c8b5-4a18-ae0d-3a3e29c44efc" providerId="ADAL" clId="{B67B1301-5EC6-D742-90CD-6E960294BC08}" dt="2025-05-20T17:36:59.113" v="166" actId="478"/>
-          <ac:cxnSpMkLst>
-            <pc:docMk/>
-            <pc:sldMk cId="1160241537" sldId="256"/>
-            <ac:cxnSpMk id="11" creationId="{7BB87E29-5701-C76A-F7ED-3E0CE7AB4ECB}"/>
-          </ac:cxnSpMkLst>
-        </pc:cxnChg>
-        <pc:cxnChg chg="del">
-          <ac:chgData name="Barkasi, Michael" userId="604489e9-c8b5-4a18-ae0d-3a3e29c44efc" providerId="ADAL" clId="{B67B1301-5EC6-D742-90CD-6E960294BC08}" dt="2025-05-20T17:36:37.319" v="154" actId="478"/>
-          <ac:cxnSpMkLst>
-            <pc:docMk/>
-            <pc:sldMk cId="1160241537" sldId="256"/>
-            <ac:cxnSpMk id="15" creationId="{9A26E224-A730-8224-0AA2-3B9523E41388}"/>
-          </ac:cxnSpMkLst>
-        </pc:cxnChg>
-        <pc:cxnChg chg="del">
-          <ac:chgData name="Barkasi, Michael" userId="604489e9-c8b5-4a18-ae0d-3a3e29c44efc" providerId="ADAL" clId="{B67B1301-5EC6-D742-90CD-6E960294BC08}" dt="2025-05-20T17:36:58.503" v="165" actId="478"/>
-          <ac:cxnSpMkLst>
-            <pc:docMk/>
-            <pc:sldMk cId="1160241537" sldId="256"/>
-            <ac:cxnSpMk id="26" creationId="{35BEAD4C-BCCF-6761-3410-D526B70B4B2D}"/>
-          </ac:cxnSpMkLst>
-        </pc:cxnChg>
-        <pc:cxnChg chg="del">
-          <ac:chgData name="Barkasi, Michael" userId="604489e9-c8b5-4a18-ae0d-3a3e29c44efc" providerId="ADAL" clId="{B67B1301-5EC6-D742-90CD-6E960294BC08}" dt="2025-05-20T17:37:16.799" v="180" actId="478"/>
-          <ac:cxnSpMkLst>
-            <pc:docMk/>
-            <pc:sldMk cId="1160241537" sldId="256"/>
-            <ac:cxnSpMk id="28" creationId="{D0BE0577-D9B4-AE28-1E19-C7FA65025C58}"/>
-          </ac:cxnSpMkLst>
-        </pc:cxnChg>
-        <pc:cxnChg chg="del">
-          <ac:chgData name="Barkasi, Michael" userId="604489e9-c8b5-4a18-ae0d-3a3e29c44efc" providerId="ADAL" clId="{B67B1301-5EC6-D742-90CD-6E960294BC08}" dt="2025-05-20T17:37:11.744" v="175" actId="478"/>
-          <ac:cxnSpMkLst>
-            <pc:docMk/>
-            <pc:sldMk cId="1160241537" sldId="256"/>
-            <ac:cxnSpMk id="31" creationId="{068F2A5F-3955-126F-57ED-29F2EB0C53F5}"/>
-          </ac:cxnSpMkLst>
-        </pc:cxnChg>
-        <pc:cxnChg chg="del">
-          <ac:chgData name="Barkasi, Michael" userId="604489e9-c8b5-4a18-ae0d-3a3e29c44efc" providerId="ADAL" clId="{B67B1301-5EC6-D742-90CD-6E960294BC08}" dt="2025-05-20T17:36:43.049" v="159" actId="478"/>
-          <ac:cxnSpMkLst>
-            <pc:docMk/>
-            <pc:sldMk cId="1160241537" sldId="256"/>
-            <ac:cxnSpMk id="32" creationId="{754F9A7B-4FD0-858B-3F31-A4A45476C837}"/>
-          </ac:cxnSpMkLst>
-        </pc:cxnChg>
         <pc:cxnChg chg="add mod topLvl">
           <ac:chgData name="Barkasi, Michael" userId="604489e9-c8b5-4a18-ae0d-3a3e29c44efc" providerId="ADAL" clId="{B67B1301-5EC6-D742-90CD-6E960294BC08}" dt="2025-05-20T17:58:15.461" v="714" actId="165"/>
           <ac:cxnSpMkLst>
             <pc:docMk/>
             <pc:sldMk cId="1160241537" sldId="256"/>
             <ac:cxnSpMk id="38" creationId="{9333798E-5425-AFEB-CD82-CFFB3CA7A87B}"/>
-          </ac:cxnSpMkLst>
-        </pc:cxnChg>
-        <pc:cxnChg chg="del">
-          <ac:chgData name="Barkasi, Michael" userId="604489e9-c8b5-4a18-ae0d-3a3e29c44efc" providerId="ADAL" clId="{B67B1301-5EC6-D742-90CD-6E960294BC08}" dt="2025-05-20T17:36:09" v="135" actId="478"/>
-          <ac:cxnSpMkLst>
-            <pc:docMk/>
-            <pc:sldMk cId="1160241537" sldId="256"/>
-            <ac:cxnSpMk id="39" creationId="{F34272A6-8F55-128C-AB3E-1700D68579CB}"/>
-          </ac:cxnSpMkLst>
-        </pc:cxnChg>
-        <pc:cxnChg chg="del">
-          <ac:chgData name="Barkasi, Michael" userId="604489e9-c8b5-4a18-ae0d-3a3e29c44efc" providerId="ADAL" clId="{B67B1301-5EC6-D742-90CD-6E960294BC08}" dt="2025-05-20T17:36:07.563" v="134" actId="478"/>
-          <ac:cxnSpMkLst>
-            <pc:docMk/>
-            <pc:sldMk cId="1160241537" sldId="256"/>
-            <ac:cxnSpMk id="40" creationId="{D261C05F-0604-607D-47D0-245A27AB533A}"/>
           </ac:cxnSpMkLst>
         </pc:cxnChg>
         <pc:cxnChg chg="add mod topLvl">
@@ -917,484 +389,12 @@
             <ac:cxnSpMk id="44" creationId="{2A1C9968-91CB-CD00-7951-FAB90C30C0A0}"/>
           </ac:cxnSpMkLst>
         </pc:cxnChg>
-        <pc:cxnChg chg="del">
-          <ac:chgData name="Barkasi, Michael" userId="604489e9-c8b5-4a18-ae0d-3a3e29c44efc" providerId="ADAL" clId="{B67B1301-5EC6-D742-90CD-6E960294BC08}" dt="2025-05-20T17:37:16.068" v="179" actId="478"/>
-          <ac:cxnSpMkLst>
-            <pc:docMk/>
-            <pc:sldMk cId="1160241537" sldId="256"/>
-            <ac:cxnSpMk id="45" creationId="{1C2D59EE-DE23-BE2F-82B6-99E8B0941B3A}"/>
-          </ac:cxnSpMkLst>
-        </pc:cxnChg>
-        <pc:cxnChg chg="del">
-          <ac:chgData name="Barkasi, Michael" userId="604489e9-c8b5-4a18-ae0d-3a3e29c44efc" providerId="ADAL" clId="{B67B1301-5EC6-D742-90CD-6E960294BC08}" dt="2025-05-20T17:37:35.617" v="195" actId="478"/>
-          <ac:cxnSpMkLst>
-            <pc:docMk/>
-            <pc:sldMk cId="1160241537" sldId="256"/>
-            <ac:cxnSpMk id="48" creationId="{BCC31DCC-0780-C586-DEFE-8988E61F1A25}"/>
-          </ac:cxnSpMkLst>
-        </pc:cxnChg>
-        <pc:cxnChg chg="del">
-          <ac:chgData name="Barkasi, Michael" userId="604489e9-c8b5-4a18-ae0d-3a3e29c44efc" providerId="ADAL" clId="{B67B1301-5EC6-D742-90CD-6E960294BC08}" dt="2025-05-20T17:37:33.719" v="194" actId="478"/>
-          <ac:cxnSpMkLst>
-            <pc:docMk/>
-            <pc:sldMk cId="1160241537" sldId="256"/>
-            <ac:cxnSpMk id="50" creationId="{12588A11-AFA4-F63A-6091-525F7A11CC6B}"/>
-          </ac:cxnSpMkLst>
-        </pc:cxnChg>
-        <pc:cxnChg chg="del">
-          <ac:chgData name="Barkasi, Michael" userId="604489e9-c8b5-4a18-ae0d-3a3e29c44efc" providerId="ADAL" clId="{B67B1301-5EC6-D742-90CD-6E960294BC08}" dt="2025-05-20T17:37:30.282" v="192" actId="478"/>
-          <ac:cxnSpMkLst>
-            <pc:docMk/>
-            <pc:sldMk cId="1160241537" sldId="256"/>
-            <ac:cxnSpMk id="51" creationId="{1944EA3B-78C4-9299-D4E1-61119A72E0BF}"/>
-          </ac:cxnSpMkLst>
-        </pc:cxnChg>
-        <pc:cxnChg chg="del">
-          <ac:chgData name="Barkasi, Michael" userId="604489e9-c8b5-4a18-ae0d-3a3e29c44efc" providerId="ADAL" clId="{B67B1301-5EC6-D742-90CD-6E960294BC08}" dt="2025-05-20T17:37:17.505" v="181" actId="478"/>
-          <ac:cxnSpMkLst>
-            <pc:docMk/>
-            <pc:sldMk cId="1160241537" sldId="256"/>
-            <ac:cxnSpMk id="56" creationId="{A67E6B51-678E-D32D-D2D8-E7122E34EE9D}"/>
-          </ac:cxnSpMkLst>
-        </pc:cxnChg>
-        <pc:cxnChg chg="del">
-          <ac:chgData name="Barkasi, Michael" userId="604489e9-c8b5-4a18-ae0d-3a3e29c44efc" providerId="ADAL" clId="{B67B1301-5EC6-D742-90CD-6E960294BC08}" dt="2025-05-20T17:37:37.010" v="196" actId="478"/>
-          <ac:cxnSpMkLst>
-            <pc:docMk/>
-            <pc:sldMk cId="1160241537" sldId="256"/>
-            <ac:cxnSpMk id="61" creationId="{2B794FBB-7C1C-89B7-3E3D-1E4DF36C9146}"/>
-          </ac:cxnSpMkLst>
-        </pc:cxnChg>
-        <pc:cxnChg chg="del">
-          <ac:chgData name="Barkasi, Michael" userId="604489e9-c8b5-4a18-ae0d-3a3e29c44efc" providerId="ADAL" clId="{B67B1301-5EC6-D742-90CD-6E960294BC08}" dt="2025-05-20T17:37:02.792" v="169" actId="478"/>
-          <ac:cxnSpMkLst>
-            <pc:docMk/>
-            <pc:sldMk cId="1160241537" sldId="256"/>
-            <ac:cxnSpMk id="63" creationId="{CBD98956-1E62-D0ED-DCF4-B9DF8D52385B}"/>
-          </ac:cxnSpMkLst>
-        </pc:cxnChg>
-        <pc:cxnChg chg="del mod">
-          <ac:chgData name="Barkasi, Michael" userId="604489e9-c8b5-4a18-ae0d-3a3e29c44efc" providerId="ADAL" clId="{B67B1301-5EC6-D742-90CD-6E960294BC08}" dt="2025-05-20T17:37:08.464" v="172" actId="478"/>
-          <ac:cxnSpMkLst>
-            <pc:docMk/>
-            <pc:sldMk cId="1160241537" sldId="256"/>
-            <ac:cxnSpMk id="64" creationId="{B93B6FDA-B9F5-DD4A-0F48-CC1AE8486216}"/>
-          </ac:cxnSpMkLst>
-        </pc:cxnChg>
-        <pc:cxnChg chg="del">
-          <ac:chgData name="Barkasi, Michael" userId="604489e9-c8b5-4a18-ae0d-3a3e29c44efc" providerId="ADAL" clId="{B67B1301-5EC6-D742-90CD-6E960294BC08}" dt="2025-05-20T17:37:03.721" v="170" actId="478"/>
-          <ac:cxnSpMkLst>
-            <pc:docMk/>
-            <pc:sldMk cId="1160241537" sldId="256"/>
-            <ac:cxnSpMk id="70" creationId="{E4E7900B-0AEC-3DA4-E2C9-18208FB477BD}"/>
-          </ac:cxnSpMkLst>
-        </pc:cxnChg>
-        <pc:cxnChg chg="del">
-          <ac:chgData name="Barkasi, Michael" userId="604489e9-c8b5-4a18-ae0d-3a3e29c44efc" providerId="ADAL" clId="{B67B1301-5EC6-D742-90CD-6E960294BC08}" dt="2025-05-20T17:36:56.602" v="163" actId="478"/>
-          <ac:cxnSpMkLst>
-            <pc:docMk/>
-            <pc:sldMk cId="1160241537" sldId="256"/>
-            <ac:cxnSpMk id="71" creationId="{3A35E1A8-8710-1791-64E4-81A2DEEF322B}"/>
-          </ac:cxnSpMkLst>
-        </pc:cxnChg>
-        <pc:cxnChg chg="del">
-          <ac:chgData name="Barkasi, Michael" userId="604489e9-c8b5-4a18-ae0d-3a3e29c44efc" providerId="ADAL" clId="{B67B1301-5EC6-D742-90CD-6E960294BC08}" dt="2025-05-20T17:36:30.669" v="149" actId="478"/>
-          <ac:cxnSpMkLst>
-            <pc:docMk/>
-            <pc:sldMk cId="1160241537" sldId="256"/>
-            <ac:cxnSpMk id="78" creationId="{82A1D438-CF21-FC61-42A3-99029F10964B}"/>
-          </ac:cxnSpMkLst>
-        </pc:cxnChg>
-        <pc:cxnChg chg="del">
-          <ac:chgData name="Barkasi, Michael" userId="604489e9-c8b5-4a18-ae0d-3a3e29c44efc" providerId="ADAL" clId="{B67B1301-5EC6-D742-90CD-6E960294BC08}" dt="2025-05-20T17:36:35.297" v="152" actId="478"/>
-          <ac:cxnSpMkLst>
-            <pc:docMk/>
-            <pc:sldMk cId="1160241537" sldId="256"/>
-            <ac:cxnSpMk id="80" creationId="{CD8AEBEA-04D5-0AC7-66E7-37BDD91DF944}"/>
-          </ac:cxnSpMkLst>
-        </pc:cxnChg>
-        <pc:cxnChg chg="del">
-          <ac:chgData name="Barkasi, Michael" userId="604489e9-c8b5-4a18-ae0d-3a3e29c44efc" providerId="ADAL" clId="{B67B1301-5EC6-D742-90CD-6E960294BC08}" dt="2025-05-20T17:36:29.473" v="148" actId="478"/>
-          <ac:cxnSpMkLst>
-            <pc:docMk/>
-            <pc:sldMk cId="1160241537" sldId="256"/>
-            <ac:cxnSpMk id="83" creationId="{11F79A27-592B-6386-5680-606FA6292007}"/>
-          </ac:cxnSpMkLst>
-        </pc:cxnChg>
-        <pc:cxnChg chg="del">
-          <ac:chgData name="Barkasi, Michael" userId="604489e9-c8b5-4a18-ae0d-3a3e29c44efc" providerId="ADAL" clId="{B67B1301-5EC6-D742-90CD-6E960294BC08}" dt="2025-05-20T17:36:57.479" v="164" actId="478"/>
-          <ac:cxnSpMkLst>
-            <pc:docMk/>
-            <pc:sldMk cId="1160241537" sldId="256"/>
-            <ac:cxnSpMk id="86" creationId="{38DF82A8-5100-0432-325B-E84D64081B97}"/>
-          </ac:cxnSpMkLst>
-        </pc:cxnChg>
-        <pc:cxnChg chg="del">
-          <ac:chgData name="Barkasi, Michael" userId="604489e9-c8b5-4a18-ae0d-3a3e29c44efc" providerId="ADAL" clId="{B67B1301-5EC6-D742-90CD-6E960294BC08}" dt="2025-05-20T17:37:05.003" v="171" actId="478"/>
-          <ac:cxnSpMkLst>
-            <pc:docMk/>
-            <pc:sldMk cId="1160241537" sldId="256"/>
-            <ac:cxnSpMk id="87" creationId="{E6F9DFC2-2DBD-1BE1-9541-027E684A1D98}"/>
-          </ac:cxnSpMkLst>
-        </pc:cxnChg>
-        <pc:cxnChg chg="del">
-          <ac:chgData name="Barkasi, Michael" userId="604489e9-c8b5-4a18-ae0d-3a3e29c44efc" providerId="ADAL" clId="{B67B1301-5EC6-D742-90CD-6E960294BC08}" dt="2025-05-20T17:37:01.632" v="168" actId="478"/>
-          <ac:cxnSpMkLst>
-            <pc:docMk/>
-            <pc:sldMk cId="1160241537" sldId="256"/>
-            <ac:cxnSpMk id="88" creationId="{CE5CB198-2C98-8E6E-46FC-6576CC22661A}"/>
-          </ac:cxnSpMkLst>
-        </pc:cxnChg>
-        <pc:cxnChg chg="del">
-          <ac:chgData name="Barkasi, Michael" userId="604489e9-c8b5-4a18-ae0d-3a3e29c44efc" providerId="ADAL" clId="{B67B1301-5EC6-D742-90CD-6E960294BC08}" dt="2025-05-20T17:36:03.201" v="130" actId="478"/>
-          <ac:cxnSpMkLst>
-            <pc:docMk/>
-            <pc:sldMk cId="1160241537" sldId="256"/>
-            <ac:cxnSpMk id="90" creationId="{C19CAFF0-8FC2-942D-1C2F-27E75432BAF3}"/>
-          </ac:cxnSpMkLst>
-        </pc:cxnChg>
-        <pc:cxnChg chg="del">
-          <ac:chgData name="Barkasi, Michael" userId="604489e9-c8b5-4a18-ae0d-3a3e29c44efc" providerId="ADAL" clId="{B67B1301-5EC6-D742-90CD-6E960294BC08}" dt="2025-05-20T17:36:54.858" v="162" actId="478"/>
-          <ac:cxnSpMkLst>
-            <pc:docMk/>
-            <pc:sldMk cId="1160241537" sldId="256"/>
-            <ac:cxnSpMk id="92" creationId="{6B3F52CD-A6ED-6D60-857B-F61E8FBAA21E}"/>
-          </ac:cxnSpMkLst>
-        </pc:cxnChg>
-        <pc:cxnChg chg="del">
-          <ac:chgData name="Barkasi, Michael" userId="604489e9-c8b5-4a18-ae0d-3a3e29c44efc" providerId="ADAL" clId="{B67B1301-5EC6-D742-90CD-6E960294BC08}" dt="2025-05-20T17:36:06.618" v="133" actId="478"/>
-          <ac:cxnSpMkLst>
-            <pc:docMk/>
-            <pc:sldMk cId="1160241537" sldId="256"/>
-            <ac:cxnSpMk id="96" creationId="{B8A8F6C6-DEEB-E83A-3622-877A90AC5B12}"/>
-          </ac:cxnSpMkLst>
-        </pc:cxnChg>
-        <pc:cxnChg chg="del">
-          <ac:chgData name="Barkasi, Michael" userId="604489e9-c8b5-4a18-ae0d-3a3e29c44efc" providerId="ADAL" clId="{B67B1301-5EC6-D742-90CD-6E960294BC08}" dt="2025-05-20T17:36:38.069" v="155" actId="478"/>
-          <ac:cxnSpMkLst>
-            <pc:docMk/>
-            <pc:sldMk cId="1160241537" sldId="256"/>
-            <ac:cxnSpMk id="98" creationId="{715D6EB7-8C31-CC55-01FA-1F87D5478233}"/>
-          </ac:cxnSpMkLst>
-        </pc:cxnChg>
-        <pc:cxnChg chg="del">
-          <ac:chgData name="Barkasi, Michael" userId="604489e9-c8b5-4a18-ae0d-3a3e29c44efc" providerId="ADAL" clId="{B67B1301-5EC6-D742-90CD-6E960294BC08}" dt="2025-05-20T17:36:04.136" v="131" actId="478"/>
-          <ac:cxnSpMkLst>
-            <pc:docMk/>
-            <pc:sldMk cId="1160241537" sldId="256"/>
-            <ac:cxnSpMk id="99" creationId="{3CF79906-6972-A0ED-5198-B605BCF69A98}"/>
-          </ac:cxnSpMkLst>
-        </pc:cxnChg>
-        <pc:cxnChg chg="del">
-          <ac:chgData name="Barkasi, Michael" userId="604489e9-c8b5-4a18-ae0d-3a3e29c44efc" providerId="ADAL" clId="{B67B1301-5EC6-D742-90CD-6E960294BC08}" dt="2025-05-20T17:36:40.063" v="157" actId="478"/>
-          <ac:cxnSpMkLst>
-            <pc:docMk/>
-            <pc:sldMk cId="1160241537" sldId="256"/>
-            <ac:cxnSpMk id="100" creationId="{CB870B44-2792-E719-7B26-DC24EFDA6D15}"/>
-          </ac:cxnSpMkLst>
-        </pc:cxnChg>
-        <pc:cxnChg chg="del">
-          <ac:chgData name="Barkasi, Michael" userId="604489e9-c8b5-4a18-ae0d-3a3e29c44efc" providerId="ADAL" clId="{B67B1301-5EC6-D742-90CD-6E960294BC08}" dt="2025-05-20T17:36:05.167" v="132" actId="478"/>
-          <ac:cxnSpMkLst>
-            <pc:docMk/>
-            <pc:sldMk cId="1160241537" sldId="256"/>
-            <ac:cxnSpMk id="101" creationId="{D76EC22D-EB83-4B79-8240-4D0C097394A4}"/>
-          </ac:cxnSpMkLst>
-        </pc:cxnChg>
-        <pc:cxnChg chg="del">
-          <ac:chgData name="Barkasi, Michael" userId="604489e9-c8b5-4a18-ae0d-3a3e29c44efc" providerId="ADAL" clId="{B67B1301-5EC6-D742-90CD-6E960294BC08}" dt="2025-05-20T17:36:36.419" v="153" actId="478"/>
-          <ac:cxnSpMkLst>
-            <pc:docMk/>
-            <pc:sldMk cId="1160241537" sldId="256"/>
-            <ac:cxnSpMk id="105" creationId="{D02E737C-8AA1-FB90-4448-3863761C9EDB}"/>
-          </ac:cxnSpMkLst>
-        </pc:cxnChg>
-        <pc:cxnChg chg="del">
-          <ac:chgData name="Barkasi, Michael" userId="604489e9-c8b5-4a18-ae0d-3a3e29c44efc" providerId="ADAL" clId="{B67B1301-5EC6-D742-90CD-6E960294BC08}" dt="2025-05-20T17:36:40.966" v="158" actId="478"/>
-          <ac:cxnSpMkLst>
-            <pc:docMk/>
-            <pc:sldMk cId="1160241537" sldId="256"/>
-            <ac:cxnSpMk id="106" creationId="{C6063B9A-89A3-B787-F3A1-022DBF155CDA}"/>
-          </ac:cxnSpMkLst>
-        </pc:cxnChg>
-        <pc:cxnChg chg="del">
-          <ac:chgData name="Barkasi, Michael" userId="604489e9-c8b5-4a18-ae0d-3a3e29c44efc" providerId="ADAL" clId="{B67B1301-5EC6-D742-90CD-6E960294BC08}" dt="2025-05-20T17:36:52.564" v="161" actId="478"/>
-          <ac:cxnSpMkLst>
-            <pc:docMk/>
-            <pc:sldMk cId="1160241537" sldId="256"/>
-            <ac:cxnSpMk id="107" creationId="{E6784376-358E-0514-1FD8-AA272D2B83AD}"/>
-          </ac:cxnSpMkLst>
-        </pc:cxnChg>
-        <pc:cxnChg chg="del">
-          <ac:chgData name="Barkasi, Michael" userId="604489e9-c8b5-4a18-ae0d-3a3e29c44efc" providerId="ADAL" clId="{B67B1301-5EC6-D742-90CD-6E960294BC08}" dt="2025-05-20T17:36:39.089" v="156" actId="478"/>
-          <ac:cxnSpMkLst>
-            <pc:docMk/>
-            <pc:sldMk cId="1160241537" sldId="256"/>
-            <ac:cxnSpMk id="108" creationId="{8744D0E8-8D3D-51A3-82FD-D4296CC6A5BC}"/>
-          </ac:cxnSpMkLst>
-        </pc:cxnChg>
-        <pc:cxnChg chg="del">
-          <ac:chgData name="Barkasi, Michael" userId="604489e9-c8b5-4a18-ae0d-3a3e29c44efc" providerId="ADAL" clId="{B67B1301-5EC6-D742-90CD-6E960294BC08}" dt="2025-05-20T17:36:33.599" v="151" actId="478"/>
-          <ac:cxnSpMkLst>
-            <pc:docMk/>
-            <pc:sldMk cId="1160241537" sldId="256"/>
-            <ac:cxnSpMk id="117" creationId="{933A2084-2E4D-9A15-FBE5-9D5F99AC6380}"/>
-          </ac:cxnSpMkLst>
-        </pc:cxnChg>
-        <pc:cxnChg chg="del">
-          <ac:chgData name="Barkasi, Michael" userId="604489e9-c8b5-4a18-ae0d-3a3e29c44efc" providerId="ADAL" clId="{B67B1301-5EC6-D742-90CD-6E960294BC08}" dt="2025-05-20T17:37:18.659" v="182" actId="478"/>
-          <ac:cxnSpMkLst>
-            <pc:docMk/>
-            <pc:sldMk cId="1160241537" sldId="256"/>
-            <ac:cxnSpMk id="122" creationId="{580F430A-39CE-3DB1-0F6A-EAC4B20BFC05}"/>
-          </ac:cxnSpMkLst>
-        </pc:cxnChg>
-        <pc:cxnChg chg="del">
-          <ac:chgData name="Barkasi, Michael" userId="604489e9-c8b5-4a18-ae0d-3a3e29c44efc" providerId="ADAL" clId="{B67B1301-5EC6-D742-90CD-6E960294BC08}" dt="2025-05-20T17:36:28.401" v="147" actId="478"/>
-          <ac:cxnSpMkLst>
-            <pc:docMk/>
-            <pc:sldMk cId="1160241537" sldId="256"/>
-            <ac:cxnSpMk id="123" creationId="{7F54CB62-31B4-ECEB-DE9D-B30CD799A766}"/>
-          </ac:cxnSpMkLst>
-        </pc:cxnChg>
-        <pc:cxnChg chg="del">
-          <ac:chgData name="Barkasi, Michael" userId="604489e9-c8b5-4a18-ae0d-3a3e29c44efc" providerId="ADAL" clId="{B67B1301-5EC6-D742-90CD-6E960294BC08}" dt="2025-05-20T17:36:26.569" v="145" actId="478"/>
-          <ac:cxnSpMkLst>
-            <pc:docMk/>
-            <pc:sldMk cId="1160241537" sldId="256"/>
-            <ac:cxnSpMk id="124" creationId="{237E0446-C41E-0A5F-DCA5-317A230C92EB}"/>
-          </ac:cxnSpMkLst>
-        </pc:cxnChg>
-        <pc:cxnChg chg="del">
-          <ac:chgData name="Barkasi, Michael" userId="604489e9-c8b5-4a18-ae0d-3a3e29c44efc" providerId="ADAL" clId="{B67B1301-5EC6-D742-90CD-6E960294BC08}" dt="2025-05-20T17:37:26.581" v="189" actId="478"/>
-          <ac:cxnSpMkLst>
-            <pc:docMk/>
-            <pc:sldMk cId="1160241537" sldId="256"/>
-            <ac:cxnSpMk id="127" creationId="{5083A3B1-C249-4B30-BB03-E4029448C244}"/>
-          </ac:cxnSpMkLst>
-        </pc:cxnChg>
-        <pc:cxnChg chg="del">
-          <ac:chgData name="Barkasi, Michael" userId="604489e9-c8b5-4a18-ae0d-3a3e29c44efc" providerId="ADAL" clId="{B67B1301-5EC6-D742-90CD-6E960294BC08}" dt="2025-05-20T17:36:24.783" v="143" actId="478"/>
-          <ac:cxnSpMkLst>
-            <pc:docMk/>
-            <pc:sldMk cId="1160241537" sldId="256"/>
-            <ac:cxnSpMk id="129" creationId="{7931193F-29D3-9AFC-1146-55B8C0139E73}"/>
-          </ac:cxnSpMkLst>
-        </pc:cxnChg>
-        <pc:cxnChg chg="del">
-          <ac:chgData name="Barkasi, Michael" userId="604489e9-c8b5-4a18-ae0d-3a3e29c44efc" providerId="ADAL" clId="{B67B1301-5EC6-D742-90CD-6E960294BC08}" dt="2025-05-20T17:37:32.764" v="193" actId="478"/>
-          <ac:cxnSpMkLst>
-            <pc:docMk/>
-            <pc:sldMk cId="1160241537" sldId="256"/>
-            <ac:cxnSpMk id="130" creationId="{59CBB80E-91EF-8C6E-3850-CFC4ACBA9C1D}"/>
-          </ac:cxnSpMkLst>
-        </pc:cxnChg>
-        <pc:cxnChg chg="del">
-          <ac:chgData name="Barkasi, Michael" userId="604489e9-c8b5-4a18-ae0d-3a3e29c44efc" providerId="ADAL" clId="{B67B1301-5EC6-D742-90CD-6E960294BC08}" dt="2025-05-20T17:37:13.832" v="177" actId="478"/>
-          <ac:cxnSpMkLst>
-            <pc:docMk/>
-            <pc:sldMk cId="1160241537" sldId="256"/>
-            <ac:cxnSpMk id="137" creationId="{937CD67D-1F51-D69A-A754-A92BC3AB24BF}"/>
-          </ac:cxnSpMkLst>
-        </pc:cxnChg>
-        <pc:cxnChg chg="del">
-          <ac:chgData name="Barkasi, Michael" userId="604489e9-c8b5-4a18-ae0d-3a3e29c44efc" providerId="ADAL" clId="{B67B1301-5EC6-D742-90CD-6E960294BC08}" dt="2025-05-20T17:37:12.838" v="176" actId="478"/>
-          <ac:cxnSpMkLst>
-            <pc:docMk/>
-            <pc:sldMk cId="1160241537" sldId="256"/>
-            <ac:cxnSpMk id="140" creationId="{3219977B-A29F-8012-78F7-7BE7217508E6}"/>
-          </ac:cxnSpMkLst>
-        </pc:cxnChg>
-        <pc:cxnChg chg="del">
-          <ac:chgData name="Barkasi, Michael" userId="604489e9-c8b5-4a18-ae0d-3a3e29c44efc" providerId="ADAL" clId="{B67B1301-5EC6-D742-90CD-6E960294BC08}" dt="2025-05-20T17:36:22.832" v="141" actId="478"/>
-          <ac:cxnSpMkLst>
-            <pc:docMk/>
-            <pc:sldMk cId="1160241537" sldId="256"/>
-            <ac:cxnSpMk id="143" creationId="{F16D9D2A-7B6D-049A-A2B1-6A74C76735FC}"/>
-          </ac:cxnSpMkLst>
-        </pc:cxnChg>
-        <pc:cxnChg chg="del">
-          <ac:chgData name="Barkasi, Michael" userId="604489e9-c8b5-4a18-ae0d-3a3e29c44efc" providerId="ADAL" clId="{B67B1301-5EC6-D742-90CD-6E960294BC08}" dt="2025-05-20T17:36:32.300" v="150" actId="478"/>
-          <ac:cxnSpMkLst>
-            <pc:docMk/>
-            <pc:sldMk cId="1160241537" sldId="256"/>
-            <ac:cxnSpMk id="145" creationId="{90CE39A1-0B9A-93DA-0BF7-D80707F48F51}"/>
-          </ac:cxnSpMkLst>
-        </pc:cxnChg>
-        <pc:cxnChg chg="del">
-          <ac:chgData name="Barkasi, Michael" userId="604489e9-c8b5-4a18-ae0d-3a3e29c44efc" providerId="ADAL" clId="{B67B1301-5EC6-D742-90CD-6E960294BC08}" dt="2025-05-20T17:37:29.311" v="191" actId="478"/>
-          <ac:cxnSpMkLst>
-            <pc:docMk/>
-            <pc:sldMk cId="1160241537" sldId="256"/>
-            <ac:cxnSpMk id="153" creationId="{A4798416-0CA1-867F-BF91-E95CF0C8DEDE}"/>
-          </ac:cxnSpMkLst>
-        </pc:cxnChg>
-        <pc:cxnChg chg="del">
-          <ac:chgData name="Barkasi, Michael" userId="604489e9-c8b5-4a18-ae0d-3a3e29c44efc" providerId="ADAL" clId="{B67B1301-5EC6-D742-90CD-6E960294BC08}" dt="2025-05-20T17:36:22.072" v="140" actId="478"/>
-          <ac:cxnSpMkLst>
-            <pc:docMk/>
-            <pc:sldMk cId="1160241537" sldId="256"/>
-            <ac:cxnSpMk id="194" creationId="{0C53182E-F9A6-79D4-712A-D31E7EF4F1DE}"/>
-          </ac:cxnSpMkLst>
-        </pc:cxnChg>
-        <pc:cxnChg chg="del">
-          <ac:chgData name="Barkasi, Michael" userId="604489e9-c8b5-4a18-ae0d-3a3e29c44efc" providerId="ADAL" clId="{B67B1301-5EC6-D742-90CD-6E960294BC08}" dt="2025-05-20T17:36:43.901" v="160" actId="478"/>
-          <ac:cxnSpMkLst>
-            <pc:docMk/>
-            <pc:sldMk cId="1160241537" sldId="256"/>
-            <ac:cxnSpMk id="210" creationId="{B74D71A7-B331-7F68-146B-912AD09011B3}"/>
-          </ac:cxnSpMkLst>
-        </pc:cxnChg>
-        <pc:cxnChg chg="del">
-          <ac:chgData name="Barkasi, Michael" userId="604489e9-c8b5-4a18-ae0d-3a3e29c44efc" providerId="ADAL" clId="{B67B1301-5EC6-D742-90CD-6E960294BC08}" dt="2025-05-20T17:37:21.778" v="185" actId="478"/>
-          <ac:cxnSpMkLst>
-            <pc:docMk/>
-            <pc:sldMk cId="1160241537" sldId="256"/>
-            <ac:cxnSpMk id="217" creationId="{F6390D24-9D05-98ED-626B-0C37A7364B27}"/>
-          </ac:cxnSpMkLst>
-        </pc:cxnChg>
-        <pc:cxnChg chg="del">
-          <ac:chgData name="Barkasi, Michael" userId="604489e9-c8b5-4a18-ae0d-3a3e29c44efc" providerId="ADAL" clId="{B67B1301-5EC6-D742-90CD-6E960294BC08}" dt="2025-05-20T17:37:20.772" v="184" actId="478"/>
-          <ac:cxnSpMkLst>
-            <pc:docMk/>
-            <pc:sldMk cId="1160241537" sldId="256"/>
-            <ac:cxnSpMk id="220" creationId="{2544002F-7D18-D205-D4CD-042A53B8C885}"/>
-          </ac:cxnSpMkLst>
-        </pc:cxnChg>
-        <pc:cxnChg chg="del">
-          <ac:chgData name="Barkasi, Michael" userId="604489e9-c8b5-4a18-ae0d-3a3e29c44efc" providerId="ADAL" clId="{B67B1301-5EC6-D742-90CD-6E960294BC08}" dt="2025-05-20T17:36:10.603" v="136" actId="478"/>
-          <ac:cxnSpMkLst>
-            <pc:docMk/>
-            <pc:sldMk cId="1160241537" sldId="256"/>
-            <ac:cxnSpMk id="225" creationId="{4A7A68E4-9C62-2EB1-8373-9A1BE1DE8D60}"/>
-          </ac:cxnSpMkLst>
-        </pc:cxnChg>
-        <pc:cxnChg chg="del">
-          <ac:chgData name="Barkasi, Michael" userId="604489e9-c8b5-4a18-ae0d-3a3e29c44efc" providerId="ADAL" clId="{B67B1301-5EC6-D742-90CD-6E960294BC08}" dt="2025-05-20T17:36:27.400" v="146" actId="478"/>
-          <ac:cxnSpMkLst>
-            <pc:docMk/>
-            <pc:sldMk cId="1160241537" sldId="256"/>
-            <ac:cxnSpMk id="233" creationId="{582115E6-3E15-93FC-26E9-A2CC95EA0A75}"/>
-          </ac:cxnSpMkLst>
-        </pc:cxnChg>
-        <pc:cxnChg chg="del">
-          <ac:chgData name="Barkasi, Michael" userId="604489e9-c8b5-4a18-ae0d-3a3e29c44efc" providerId="ADAL" clId="{B67B1301-5EC6-D742-90CD-6E960294BC08}" dt="2025-05-20T17:37:22.742" v="186" actId="478"/>
-          <ac:cxnSpMkLst>
-            <pc:docMk/>
-            <pc:sldMk cId="1160241537" sldId="256"/>
-            <ac:cxnSpMk id="235" creationId="{F63A8DFF-44F2-5C76-78A3-B61B5879A3A3}"/>
-          </ac:cxnSpMkLst>
-        </pc:cxnChg>
-        <pc:cxnChg chg="del">
-          <ac:chgData name="Barkasi, Michael" userId="604489e9-c8b5-4a18-ae0d-3a3e29c44efc" providerId="ADAL" clId="{B67B1301-5EC6-D742-90CD-6E960294BC08}" dt="2025-05-20T17:36:23.952" v="142" actId="478"/>
-          <ac:cxnSpMkLst>
-            <pc:docMk/>
-            <pc:sldMk cId="1160241537" sldId="256"/>
-            <ac:cxnSpMk id="238" creationId="{B4E74561-7ED6-A268-73FC-7119C4294901}"/>
-          </ac:cxnSpMkLst>
-        </pc:cxnChg>
-        <pc:cxnChg chg="del">
-          <ac:chgData name="Barkasi, Michael" userId="604489e9-c8b5-4a18-ae0d-3a3e29c44efc" providerId="ADAL" clId="{B67B1301-5EC6-D742-90CD-6E960294BC08}" dt="2025-05-20T17:36:25.812" v="144" actId="478"/>
-          <ac:cxnSpMkLst>
-            <pc:docMk/>
-            <pc:sldMk cId="1160241537" sldId="256"/>
-            <ac:cxnSpMk id="298" creationId="{0CEDBE68-97D9-C58D-6A92-B77421D9314A}"/>
-          </ac:cxnSpMkLst>
-        </pc:cxnChg>
-        <pc:cxnChg chg="del">
-          <ac:chgData name="Barkasi, Michael" userId="604489e9-c8b5-4a18-ae0d-3a3e29c44efc" providerId="ADAL" clId="{B67B1301-5EC6-D742-90CD-6E960294BC08}" dt="2025-05-20T17:37:10.156" v="173" actId="478"/>
-          <ac:cxnSpMkLst>
-            <pc:docMk/>
-            <pc:sldMk cId="1160241537" sldId="256"/>
-            <ac:cxnSpMk id="302" creationId="{ECBDE5CF-2900-A2BC-23D6-98653B3A9E7A}"/>
-          </ac:cxnSpMkLst>
-        </pc:cxnChg>
-        <pc:cxnChg chg="del">
-          <ac:chgData name="Barkasi, Michael" userId="604489e9-c8b5-4a18-ae0d-3a3e29c44efc" providerId="ADAL" clId="{B67B1301-5EC6-D742-90CD-6E960294BC08}" dt="2025-05-20T17:37:27.978" v="190" actId="478"/>
-          <ac:cxnSpMkLst>
-            <pc:docMk/>
-            <pc:sldMk cId="1160241537" sldId="256"/>
-            <ac:cxnSpMk id="317" creationId="{210C3CEE-7BC2-5E08-C2AF-3962D1B58A15}"/>
-          </ac:cxnSpMkLst>
-        </pc:cxnChg>
-        <pc:cxnChg chg="del">
-          <ac:chgData name="Barkasi, Michael" userId="604489e9-c8b5-4a18-ae0d-3a3e29c44efc" providerId="ADAL" clId="{B67B1301-5EC6-D742-90CD-6E960294BC08}" dt="2025-05-20T17:37:15.120" v="178" actId="478"/>
-          <ac:cxnSpMkLst>
-            <pc:docMk/>
-            <pc:sldMk cId="1160241537" sldId="256"/>
-            <ac:cxnSpMk id="326" creationId="{30FFD7FB-3BFD-638D-A5BB-387FAFC8264B}"/>
-          </ac:cxnSpMkLst>
-        </pc:cxnChg>
-        <pc:cxnChg chg="del">
-          <ac:chgData name="Barkasi, Michael" userId="604489e9-c8b5-4a18-ae0d-3a3e29c44efc" providerId="ADAL" clId="{B67B1301-5EC6-D742-90CD-6E960294BC08}" dt="2025-05-20T17:37:19.732" v="183" actId="478"/>
-          <ac:cxnSpMkLst>
-            <pc:docMk/>
-            <pc:sldMk cId="1160241537" sldId="256"/>
-            <ac:cxnSpMk id="339" creationId="{98B35DB6-65FD-507D-6A1F-11494D5EB715}"/>
-          </ac:cxnSpMkLst>
-        </pc:cxnChg>
-        <pc:cxnChg chg="del">
-          <ac:chgData name="Barkasi, Michael" userId="604489e9-c8b5-4a18-ae0d-3a3e29c44efc" providerId="ADAL" clId="{B67B1301-5EC6-D742-90CD-6E960294BC08}" dt="2025-05-20T17:37:23.521" v="187" actId="478"/>
-          <ac:cxnSpMkLst>
-            <pc:docMk/>
-            <pc:sldMk cId="1160241537" sldId="256"/>
-            <ac:cxnSpMk id="341" creationId="{54937D49-5305-6AA3-991D-CCF792455FBE}"/>
-          </ac:cxnSpMkLst>
-        </pc:cxnChg>
-        <pc:cxnChg chg="del">
-          <ac:chgData name="Barkasi, Michael" userId="604489e9-c8b5-4a18-ae0d-3a3e29c44efc" providerId="ADAL" clId="{B67B1301-5EC6-D742-90CD-6E960294BC08}" dt="2025-05-20T17:37:25.368" v="188" actId="478"/>
-          <ac:cxnSpMkLst>
-            <pc:docMk/>
-            <pc:sldMk cId="1160241537" sldId="256"/>
-            <ac:cxnSpMk id="345" creationId="{07E20348-5F19-C197-35C5-E8641BA6E242}"/>
-          </ac:cxnSpMkLst>
-        </pc:cxnChg>
-        <pc:cxnChg chg="del">
-          <ac:chgData name="Barkasi, Michael" userId="604489e9-c8b5-4a18-ae0d-3a3e29c44efc" providerId="ADAL" clId="{B67B1301-5EC6-D742-90CD-6E960294BC08}" dt="2025-05-20T17:29:16.355" v="75" actId="478"/>
-          <ac:cxnSpMkLst>
-            <pc:docMk/>
-            <pc:sldMk cId="1160241537" sldId="256"/>
-            <ac:cxnSpMk id="348" creationId="{FADBDC68-C049-7D07-6DD8-EDBF261D1321}"/>
-          </ac:cxnSpMkLst>
-        </pc:cxnChg>
         <pc:cxnChg chg="mod topLvl">
           <ac:chgData name="Barkasi, Michael" userId="604489e9-c8b5-4a18-ae0d-3a3e29c44efc" providerId="ADAL" clId="{B67B1301-5EC6-D742-90CD-6E960294BC08}" dt="2025-05-20T17:51:13.082" v="693" actId="165"/>
           <ac:cxnSpMkLst>
             <pc:docMk/>
             <pc:sldMk cId="1160241537" sldId="256"/>
             <ac:cxnSpMk id="350" creationId="{31E6CC44-64F7-0368-830F-E09A777889A1}"/>
-          </ac:cxnSpMkLst>
-        </pc:cxnChg>
-        <pc:cxnChg chg="del">
-          <ac:chgData name="Barkasi, Michael" userId="604489e9-c8b5-4a18-ae0d-3a3e29c44efc" providerId="ADAL" clId="{B67B1301-5EC6-D742-90CD-6E960294BC08}" dt="2025-05-20T17:29:17.530" v="76" actId="478"/>
-          <ac:cxnSpMkLst>
-            <pc:docMk/>
-            <pc:sldMk cId="1160241537" sldId="256"/>
-            <ac:cxnSpMk id="351" creationId="{A380D4E4-F7A1-6167-585A-B16A69951288}"/>
-          </ac:cxnSpMkLst>
-        </pc:cxnChg>
-        <pc:cxnChg chg="del">
-          <ac:chgData name="Barkasi, Michael" userId="604489e9-c8b5-4a18-ae0d-3a3e29c44efc" providerId="ADAL" clId="{B67B1301-5EC6-D742-90CD-6E960294BC08}" dt="2025-05-20T17:29:18.379" v="77" actId="478"/>
-          <ac:cxnSpMkLst>
-            <pc:docMk/>
-            <pc:sldMk cId="1160241537" sldId="256"/>
-            <ac:cxnSpMk id="352" creationId="{94D1D885-0444-BB5A-D733-459F7F098C49}"/>
-          </ac:cxnSpMkLst>
-        </pc:cxnChg>
-        <pc:cxnChg chg="del">
-          <ac:chgData name="Barkasi, Michael" userId="604489e9-c8b5-4a18-ae0d-3a3e29c44efc" providerId="ADAL" clId="{B67B1301-5EC6-D742-90CD-6E960294BC08}" dt="2025-05-20T17:36:14.596" v="138" actId="478"/>
-          <ac:cxnSpMkLst>
-            <pc:docMk/>
-            <pc:sldMk cId="1160241537" sldId="256"/>
-            <ac:cxnSpMk id="353" creationId="{4089B145-63B2-304B-3E33-48171AF1F618}"/>
-          </ac:cxnSpMkLst>
-        </pc:cxnChg>
-        <pc:cxnChg chg="del">
-          <ac:chgData name="Barkasi, Michael" userId="604489e9-c8b5-4a18-ae0d-3a3e29c44efc" providerId="ADAL" clId="{B67B1301-5EC6-D742-90CD-6E960294BC08}" dt="2025-05-20T17:36:13.607" v="137" actId="478"/>
-          <ac:cxnSpMkLst>
-            <pc:docMk/>
-            <pc:sldMk cId="1160241537" sldId="256"/>
-            <ac:cxnSpMk id="355" creationId="{910608A2-499D-C35F-725F-3C41B0A48863}"/>
           </ac:cxnSpMkLst>
         </pc:cxnChg>
       </pc:sldChg>
@@ -1404,46 +404,6 @@
           <pc:docMk/>
           <pc:sldMasterMk cId="1703888869" sldId="2147483648"/>
         </pc:sldMasterMkLst>
-        <pc:spChg chg="mod">
-          <ac:chgData name="Barkasi, Michael" userId="604489e9-c8b5-4a18-ae0d-3a3e29c44efc" providerId="ADAL" clId="{B67B1301-5EC6-D742-90CD-6E960294BC08}" dt="2025-05-20T17:30:56.877" v="87"/>
-          <ac:spMkLst>
-            <pc:docMk/>
-            <pc:sldMasterMk cId="1703888869" sldId="2147483648"/>
-            <ac:spMk id="2" creationId="{2465A266-885A-B0E2-7875-2CE5BB48E795}"/>
-          </ac:spMkLst>
-        </pc:spChg>
-        <pc:spChg chg="mod">
-          <ac:chgData name="Barkasi, Michael" userId="604489e9-c8b5-4a18-ae0d-3a3e29c44efc" providerId="ADAL" clId="{B67B1301-5EC6-D742-90CD-6E960294BC08}" dt="2025-05-20T17:30:56.877" v="87"/>
-          <ac:spMkLst>
-            <pc:docMk/>
-            <pc:sldMasterMk cId="1703888869" sldId="2147483648"/>
-            <ac:spMk id="3" creationId="{BE87D7C2-B556-E78F-FE64-4F29F45B76BA}"/>
-          </ac:spMkLst>
-        </pc:spChg>
-        <pc:spChg chg="mod">
-          <ac:chgData name="Barkasi, Michael" userId="604489e9-c8b5-4a18-ae0d-3a3e29c44efc" providerId="ADAL" clId="{B67B1301-5EC6-D742-90CD-6E960294BC08}" dt="2025-05-20T17:30:56.877" v="87"/>
-          <ac:spMkLst>
-            <pc:docMk/>
-            <pc:sldMasterMk cId="1703888869" sldId="2147483648"/>
-            <ac:spMk id="4" creationId="{0252BC6A-06AE-F3C1-B327-8DD5C55E606E}"/>
-          </ac:spMkLst>
-        </pc:spChg>
-        <pc:spChg chg="mod">
-          <ac:chgData name="Barkasi, Michael" userId="604489e9-c8b5-4a18-ae0d-3a3e29c44efc" providerId="ADAL" clId="{B67B1301-5EC6-D742-90CD-6E960294BC08}" dt="2025-05-20T17:30:56.877" v="87"/>
-          <ac:spMkLst>
-            <pc:docMk/>
-            <pc:sldMasterMk cId="1703888869" sldId="2147483648"/>
-            <ac:spMk id="5" creationId="{A4195665-D3A0-E52C-EC63-BD0C96C8BEE0}"/>
-          </ac:spMkLst>
-        </pc:spChg>
-        <pc:spChg chg="mod">
-          <ac:chgData name="Barkasi, Michael" userId="604489e9-c8b5-4a18-ae0d-3a3e29c44efc" providerId="ADAL" clId="{B67B1301-5EC6-D742-90CD-6E960294BC08}" dt="2025-05-20T17:30:56.877" v="87"/>
-          <ac:spMkLst>
-            <pc:docMk/>
-            <pc:sldMasterMk cId="1703888869" sldId="2147483648"/>
-            <ac:spMk id="6" creationId="{390F9AD5-7365-81DC-A9D9-4EA2A607C80E}"/>
-          </ac:spMkLst>
-        </pc:spChg>
         <pc:sldLayoutChg chg="modSp">
           <pc:chgData name="Barkasi, Michael" userId="604489e9-c8b5-4a18-ae0d-3a3e29c44efc" providerId="ADAL" clId="{B67B1301-5EC6-D742-90CD-6E960294BC08}" dt="2025-05-20T17:30:56.877" v="87"/>
           <pc:sldLayoutMkLst>
@@ -1451,24 +411,6 @@
             <pc:sldMasterMk cId="1703888869" sldId="2147483648"/>
             <pc:sldLayoutMk cId="1294584495" sldId="2147483649"/>
           </pc:sldLayoutMkLst>
-          <pc:spChg chg="mod">
-            <ac:chgData name="Barkasi, Michael" userId="604489e9-c8b5-4a18-ae0d-3a3e29c44efc" providerId="ADAL" clId="{B67B1301-5EC6-D742-90CD-6E960294BC08}" dt="2025-05-20T17:30:56.877" v="87"/>
-            <ac:spMkLst>
-              <pc:docMk/>
-              <pc:sldMasterMk cId="1703888869" sldId="2147483648"/>
-              <pc:sldLayoutMk cId="1294584495" sldId="2147483649"/>
-              <ac:spMk id="2" creationId="{6F0B5B33-68A3-EC2E-BBC7-8FC014EC24D4}"/>
-            </ac:spMkLst>
-          </pc:spChg>
-          <pc:spChg chg="mod">
-            <ac:chgData name="Barkasi, Michael" userId="604489e9-c8b5-4a18-ae0d-3a3e29c44efc" providerId="ADAL" clId="{B67B1301-5EC6-D742-90CD-6E960294BC08}" dt="2025-05-20T17:30:56.877" v="87"/>
-            <ac:spMkLst>
-              <pc:docMk/>
-              <pc:sldMasterMk cId="1703888869" sldId="2147483648"/>
-              <pc:sldLayoutMk cId="1294584495" sldId="2147483649"/>
-              <ac:spMk id="3" creationId="{C3916706-3932-9698-FEE8-6E21C4E76C72}"/>
-            </ac:spMkLst>
-          </pc:spChg>
         </pc:sldLayoutChg>
         <pc:sldLayoutChg chg="modSp">
           <pc:chgData name="Barkasi, Michael" userId="604489e9-c8b5-4a18-ae0d-3a3e29c44efc" providerId="ADAL" clId="{B67B1301-5EC6-D742-90CD-6E960294BC08}" dt="2025-05-20T17:30:56.877" v="87"/>
@@ -1477,24 +419,6 @@
             <pc:sldMasterMk cId="1703888869" sldId="2147483648"/>
             <pc:sldLayoutMk cId="3860423307" sldId="2147483651"/>
           </pc:sldLayoutMkLst>
-          <pc:spChg chg="mod">
-            <ac:chgData name="Barkasi, Michael" userId="604489e9-c8b5-4a18-ae0d-3a3e29c44efc" providerId="ADAL" clId="{B67B1301-5EC6-D742-90CD-6E960294BC08}" dt="2025-05-20T17:30:56.877" v="87"/>
-            <ac:spMkLst>
-              <pc:docMk/>
-              <pc:sldMasterMk cId="1703888869" sldId="2147483648"/>
-              <pc:sldLayoutMk cId="3860423307" sldId="2147483651"/>
-              <ac:spMk id="2" creationId="{5D47E0B5-82F7-E56A-116C-292CBED374B1}"/>
-            </ac:spMkLst>
-          </pc:spChg>
-          <pc:spChg chg="mod">
-            <ac:chgData name="Barkasi, Michael" userId="604489e9-c8b5-4a18-ae0d-3a3e29c44efc" providerId="ADAL" clId="{B67B1301-5EC6-D742-90CD-6E960294BC08}" dt="2025-05-20T17:30:56.877" v="87"/>
-            <ac:spMkLst>
-              <pc:docMk/>
-              <pc:sldMasterMk cId="1703888869" sldId="2147483648"/>
-              <pc:sldLayoutMk cId="3860423307" sldId="2147483651"/>
-              <ac:spMk id="3" creationId="{F8EA85A3-C622-21A0-FDCB-0F7D32B64A84}"/>
-            </ac:spMkLst>
-          </pc:spChg>
         </pc:sldLayoutChg>
         <pc:sldLayoutChg chg="modSp">
           <pc:chgData name="Barkasi, Michael" userId="604489e9-c8b5-4a18-ae0d-3a3e29c44efc" providerId="ADAL" clId="{B67B1301-5EC6-D742-90CD-6E960294BC08}" dt="2025-05-20T17:30:56.877" v="87"/>
@@ -1503,24 +427,6 @@
             <pc:sldMasterMk cId="1703888869" sldId="2147483648"/>
             <pc:sldLayoutMk cId="2310068252" sldId="2147483652"/>
           </pc:sldLayoutMkLst>
-          <pc:spChg chg="mod">
-            <ac:chgData name="Barkasi, Michael" userId="604489e9-c8b5-4a18-ae0d-3a3e29c44efc" providerId="ADAL" clId="{B67B1301-5EC6-D742-90CD-6E960294BC08}" dt="2025-05-20T17:30:56.877" v="87"/>
-            <ac:spMkLst>
-              <pc:docMk/>
-              <pc:sldMasterMk cId="1703888869" sldId="2147483648"/>
-              <pc:sldLayoutMk cId="2310068252" sldId="2147483652"/>
-              <ac:spMk id="3" creationId="{1B95B245-CECA-0578-A530-294517537981}"/>
-            </ac:spMkLst>
-          </pc:spChg>
-          <pc:spChg chg="mod">
-            <ac:chgData name="Barkasi, Michael" userId="604489e9-c8b5-4a18-ae0d-3a3e29c44efc" providerId="ADAL" clId="{B67B1301-5EC6-D742-90CD-6E960294BC08}" dt="2025-05-20T17:30:56.877" v="87"/>
-            <ac:spMkLst>
-              <pc:docMk/>
-              <pc:sldMasterMk cId="1703888869" sldId="2147483648"/>
-              <pc:sldLayoutMk cId="2310068252" sldId="2147483652"/>
-              <ac:spMk id="4" creationId="{07B1CD16-C23E-C436-F993-8CE8BABC54CA}"/>
-            </ac:spMkLst>
-          </pc:spChg>
         </pc:sldLayoutChg>
         <pc:sldLayoutChg chg="modSp">
           <pc:chgData name="Barkasi, Michael" userId="604489e9-c8b5-4a18-ae0d-3a3e29c44efc" providerId="ADAL" clId="{B67B1301-5EC6-D742-90CD-6E960294BC08}" dt="2025-05-20T17:30:56.877" v="87"/>
@@ -1529,51 +435,6 @@
             <pc:sldMasterMk cId="1703888869" sldId="2147483648"/>
             <pc:sldLayoutMk cId="2182980002" sldId="2147483653"/>
           </pc:sldLayoutMkLst>
-          <pc:spChg chg="mod">
-            <ac:chgData name="Barkasi, Michael" userId="604489e9-c8b5-4a18-ae0d-3a3e29c44efc" providerId="ADAL" clId="{B67B1301-5EC6-D742-90CD-6E960294BC08}" dt="2025-05-20T17:30:56.877" v="87"/>
-            <ac:spMkLst>
-              <pc:docMk/>
-              <pc:sldMasterMk cId="1703888869" sldId="2147483648"/>
-              <pc:sldLayoutMk cId="2182980002" sldId="2147483653"/>
-              <ac:spMk id="2" creationId="{EAE902F9-3FBB-DC16-0AA7-7F5D5961BB43}"/>
-            </ac:spMkLst>
-          </pc:spChg>
-          <pc:spChg chg="mod">
-            <ac:chgData name="Barkasi, Michael" userId="604489e9-c8b5-4a18-ae0d-3a3e29c44efc" providerId="ADAL" clId="{B67B1301-5EC6-D742-90CD-6E960294BC08}" dt="2025-05-20T17:30:56.877" v="87"/>
-            <ac:spMkLst>
-              <pc:docMk/>
-              <pc:sldMasterMk cId="1703888869" sldId="2147483648"/>
-              <pc:sldLayoutMk cId="2182980002" sldId="2147483653"/>
-              <ac:spMk id="3" creationId="{CC8BD7FB-7A1C-B3CE-8B02-F0B9FA031987}"/>
-            </ac:spMkLst>
-          </pc:spChg>
-          <pc:spChg chg="mod">
-            <ac:chgData name="Barkasi, Michael" userId="604489e9-c8b5-4a18-ae0d-3a3e29c44efc" providerId="ADAL" clId="{B67B1301-5EC6-D742-90CD-6E960294BC08}" dt="2025-05-20T17:30:56.877" v="87"/>
-            <ac:spMkLst>
-              <pc:docMk/>
-              <pc:sldMasterMk cId="1703888869" sldId="2147483648"/>
-              <pc:sldLayoutMk cId="2182980002" sldId="2147483653"/>
-              <ac:spMk id="4" creationId="{5AB8E58E-56E2-CE1D-FF3C-D4B7008814D8}"/>
-            </ac:spMkLst>
-          </pc:spChg>
-          <pc:spChg chg="mod">
-            <ac:chgData name="Barkasi, Michael" userId="604489e9-c8b5-4a18-ae0d-3a3e29c44efc" providerId="ADAL" clId="{B67B1301-5EC6-D742-90CD-6E960294BC08}" dt="2025-05-20T17:30:56.877" v="87"/>
-            <ac:spMkLst>
-              <pc:docMk/>
-              <pc:sldMasterMk cId="1703888869" sldId="2147483648"/>
-              <pc:sldLayoutMk cId="2182980002" sldId="2147483653"/>
-              <ac:spMk id="5" creationId="{9FF20E81-21CB-1830-C4B3-5DDFEC2F67C7}"/>
-            </ac:spMkLst>
-          </pc:spChg>
-          <pc:spChg chg="mod">
-            <ac:chgData name="Barkasi, Michael" userId="604489e9-c8b5-4a18-ae0d-3a3e29c44efc" providerId="ADAL" clId="{B67B1301-5EC6-D742-90CD-6E960294BC08}" dt="2025-05-20T17:30:56.877" v="87"/>
-            <ac:spMkLst>
-              <pc:docMk/>
-              <pc:sldMasterMk cId="1703888869" sldId="2147483648"/>
-              <pc:sldLayoutMk cId="2182980002" sldId="2147483653"/>
-              <ac:spMk id="6" creationId="{E7FF56D4-EB03-7603-CF9B-2C1F3E9749FB}"/>
-            </ac:spMkLst>
-          </pc:spChg>
         </pc:sldLayoutChg>
         <pc:sldLayoutChg chg="modSp">
           <pc:chgData name="Barkasi, Michael" userId="604489e9-c8b5-4a18-ae0d-3a3e29c44efc" providerId="ADAL" clId="{B67B1301-5EC6-D742-90CD-6E960294BC08}" dt="2025-05-20T17:30:56.877" v="87"/>
@@ -1582,33 +443,6 @@
             <pc:sldMasterMk cId="1703888869" sldId="2147483648"/>
             <pc:sldLayoutMk cId="2630747394" sldId="2147483656"/>
           </pc:sldLayoutMkLst>
-          <pc:spChg chg="mod">
-            <ac:chgData name="Barkasi, Michael" userId="604489e9-c8b5-4a18-ae0d-3a3e29c44efc" providerId="ADAL" clId="{B67B1301-5EC6-D742-90CD-6E960294BC08}" dt="2025-05-20T17:30:56.877" v="87"/>
-            <ac:spMkLst>
-              <pc:docMk/>
-              <pc:sldMasterMk cId="1703888869" sldId="2147483648"/>
-              <pc:sldLayoutMk cId="2630747394" sldId="2147483656"/>
-              <ac:spMk id="2" creationId="{A2142746-A4B1-ADF7-08D3-50FF1799EFC0}"/>
-            </ac:spMkLst>
-          </pc:spChg>
-          <pc:spChg chg="mod">
-            <ac:chgData name="Barkasi, Michael" userId="604489e9-c8b5-4a18-ae0d-3a3e29c44efc" providerId="ADAL" clId="{B67B1301-5EC6-D742-90CD-6E960294BC08}" dt="2025-05-20T17:30:56.877" v="87"/>
-            <ac:spMkLst>
-              <pc:docMk/>
-              <pc:sldMasterMk cId="1703888869" sldId="2147483648"/>
-              <pc:sldLayoutMk cId="2630747394" sldId="2147483656"/>
-              <ac:spMk id="3" creationId="{07597DE4-5BE5-1999-A809-09B238328FDB}"/>
-            </ac:spMkLst>
-          </pc:spChg>
-          <pc:spChg chg="mod">
-            <ac:chgData name="Barkasi, Michael" userId="604489e9-c8b5-4a18-ae0d-3a3e29c44efc" providerId="ADAL" clId="{B67B1301-5EC6-D742-90CD-6E960294BC08}" dt="2025-05-20T17:30:56.877" v="87"/>
-            <ac:spMkLst>
-              <pc:docMk/>
-              <pc:sldMasterMk cId="1703888869" sldId="2147483648"/>
-              <pc:sldLayoutMk cId="2630747394" sldId="2147483656"/>
-              <ac:spMk id="4" creationId="{376124B4-9140-EA66-B70A-D8B834096F4C}"/>
-            </ac:spMkLst>
-          </pc:spChg>
         </pc:sldLayoutChg>
         <pc:sldLayoutChg chg="modSp">
           <pc:chgData name="Barkasi, Michael" userId="604489e9-c8b5-4a18-ae0d-3a3e29c44efc" providerId="ADAL" clId="{B67B1301-5EC6-D742-90CD-6E960294BC08}" dt="2025-05-20T17:30:56.877" v="87"/>
@@ -1617,33 +451,6 @@
             <pc:sldMasterMk cId="1703888869" sldId="2147483648"/>
             <pc:sldLayoutMk cId="1146306857" sldId="2147483657"/>
           </pc:sldLayoutMkLst>
-          <pc:spChg chg="mod">
-            <ac:chgData name="Barkasi, Michael" userId="604489e9-c8b5-4a18-ae0d-3a3e29c44efc" providerId="ADAL" clId="{B67B1301-5EC6-D742-90CD-6E960294BC08}" dt="2025-05-20T17:30:56.877" v="87"/>
-            <ac:spMkLst>
-              <pc:docMk/>
-              <pc:sldMasterMk cId="1703888869" sldId="2147483648"/>
-              <pc:sldLayoutMk cId="1146306857" sldId="2147483657"/>
-              <ac:spMk id="2" creationId="{D054348B-8418-9AB3-68BA-FDFD0F58C843}"/>
-            </ac:spMkLst>
-          </pc:spChg>
-          <pc:spChg chg="mod">
-            <ac:chgData name="Barkasi, Michael" userId="604489e9-c8b5-4a18-ae0d-3a3e29c44efc" providerId="ADAL" clId="{B67B1301-5EC6-D742-90CD-6E960294BC08}" dt="2025-05-20T17:30:56.877" v="87"/>
-            <ac:spMkLst>
-              <pc:docMk/>
-              <pc:sldMasterMk cId="1703888869" sldId="2147483648"/>
-              <pc:sldLayoutMk cId="1146306857" sldId="2147483657"/>
-              <ac:spMk id="3" creationId="{C160D014-C410-FF05-6ED6-FCDD1AFA0E56}"/>
-            </ac:spMkLst>
-          </pc:spChg>
-          <pc:spChg chg="mod">
-            <ac:chgData name="Barkasi, Michael" userId="604489e9-c8b5-4a18-ae0d-3a3e29c44efc" providerId="ADAL" clId="{B67B1301-5EC6-D742-90CD-6E960294BC08}" dt="2025-05-20T17:30:56.877" v="87"/>
-            <ac:spMkLst>
-              <pc:docMk/>
-              <pc:sldMasterMk cId="1703888869" sldId="2147483648"/>
-              <pc:sldLayoutMk cId="1146306857" sldId="2147483657"/>
-              <ac:spMk id="4" creationId="{29D73979-D6B9-B7E7-339C-71798B5B8AC5}"/>
-            </ac:spMkLst>
-          </pc:spChg>
         </pc:sldLayoutChg>
         <pc:sldLayoutChg chg="modSp">
           <pc:chgData name="Barkasi, Michael" userId="604489e9-c8b5-4a18-ae0d-3a3e29c44efc" providerId="ADAL" clId="{B67B1301-5EC6-D742-90CD-6E960294BC08}" dt="2025-05-20T17:30:56.877" v="87"/>
@@ -1652,24 +459,6 @@
             <pc:sldMasterMk cId="1703888869" sldId="2147483648"/>
             <pc:sldLayoutMk cId="2326339952" sldId="2147483659"/>
           </pc:sldLayoutMkLst>
-          <pc:spChg chg="mod">
-            <ac:chgData name="Barkasi, Michael" userId="604489e9-c8b5-4a18-ae0d-3a3e29c44efc" providerId="ADAL" clId="{B67B1301-5EC6-D742-90CD-6E960294BC08}" dt="2025-05-20T17:30:56.877" v="87"/>
-            <ac:spMkLst>
-              <pc:docMk/>
-              <pc:sldMasterMk cId="1703888869" sldId="2147483648"/>
-              <pc:sldLayoutMk cId="2326339952" sldId="2147483659"/>
-              <ac:spMk id="2" creationId="{E5EB7D9C-8176-F359-9274-ED96EA562217}"/>
-            </ac:spMkLst>
-          </pc:spChg>
-          <pc:spChg chg="mod">
-            <ac:chgData name="Barkasi, Michael" userId="604489e9-c8b5-4a18-ae0d-3a3e29c44efc" providerId="ADAL" clId="{B67B1301-5EC6-D742-90CD-6E960294BC08}" dt="2025-05-20T17:30:56.877" v="87"/>
-            <ac:spMkLst>
-              <pc:docMk/>
-              <pc:sldMasterMk cId="1703888869" sldId="2147483648"/>
-              <pc:sldLayoutMk cId="2326339952" sldId="2147483659"/>
-              <ac:spMk id="3" creationId="{20AD3C8B-6FB2-2897-51C6-3EC3F91A1503}"/>
-            </ac:spMkLst>
-          </pc:spChg>
         </pc:sldLayoutChg>
       </pc:sldMasterChg>
       <pc:sldMasterChg chg="modSp modSldLayout">
@@ -1678,46 +467,6 @@
           <pc:docMk/>
           <pc:sldMasterMk cId="1896442660" sldId="2147483660"/>
         </pc:sldMasterMkLst>
-        <pc:spChg chg="mod">
-          <ac:chgData name="Barkasi, Michael" userId="604489e9-c8b5-4a18-ae0d-3a3e29c44efc" providerId="ADAL" clId="{B67B1301-5EC6-D742-90CD-6E960294BC08}" dt="2025-05-20T17:59:12.989" v="717"/>
-          <ac:spMkLst>
-            <pc:docMk/>
-            <pc:sldMasterMk cId="1896442660" sldId="2147483660"/>
-            <ac:spMk id="2" creationId="{00000000-0000-0000-0000-000000000000}"/>
-          </ac:spMkLst>
-        </pc:spChg>
-        <pc:spChg chg="mod">
-          <ac:chgData name="Barkasi, Michael" userId="604489e9-c8b5-4a18-ae0d-3a3e29c44efc" providerId="ADAL" clId="{B67B1301-5EC6-D742-90CD-6E960294BC08}" dt="2025-05-20T17:59:12.989" v="717"/>
-          <ac:spMkLst>
-            <pc:docMk/>
-            <pc:sldMasterMk cId="1896442660" sldId="2147483660"/>
-            <ac:spMk id="3" creationId="{00000000-0000-0000-0000-000000000000}"/>
-          </ac:spMkLst>
-        </pc:spChg>
-        <pc:spChg chg="mod">
-          <ac:chgData name="Barkasi, Michael" userId="604489e9-c8b5-4a18-ae0d-3a3e29c44efc" providerId="ADAL" clId="{B67B1301-5EC6-D742-90CD-6E960294BC08}" dt="2025-05-20T17:59:12.989" v="717"/>
-          <ac:spMkLst>
-            <pc:docMk/>
-            <pc:sldMasterMk cId="1896442660" sldId="2147483660"/>
-            <ac:spMk id="4" creationId="{00000000-0000-0000-0000-000000000000}"/>
-          </ac:spMkLst>
-        </pc:spChg>
-        <pc:spChg chg="mod">
-          <ac:chgData name="Barkasi, Michael" userId="604489e9-c8b5-4a18-ae0d-3a3e29c44efc" providerId="ADAL" clId="{B67B1301-5EC6-D742-90CD-6E960294BC08}" dt="2025-05-20T17:59:12.989" v="717"/>
-          <ac:spMkLst>
-            <pc:docMk/>
-            <pc:sldMasterMk cId="1896442660" sldId="2147483660"/>
-            <ac:spMk id="5" creationId="{00000000-0000-0000-0000-000000000000}"/>
-          </ac:spMkLst>
-        </pc:spChg>
-        <pc:spChg chg="mod">
-          <ac:chgData name="Barkasi, Michael" userId="604489e9-c8b5-4a18-ae0d-3a3e29c44efc" providerId="ADAL" clId="{B67B1301-5EC6-D742-90CD-6E960294BC08}" dt="2025-05-20T17:59:12.989" v="717"/>
-          <ac:spMkLst>
-            <pc:docMk/>
-            <pc:sldMasterMk cId="1896442660" sldId="2147483660"/>
-            <ac:spMk id="6" creationId="{00000000-0000-0000-0000-000000000000}"/>
-          </ac:spMkLst>
-        </pc:spChg>
         <pc:sldLayoutChg chg="modSp">
           <pc:chgData name="Barkasi, Michael" userId="604489e9-c8b5-4a18-ae0d-3a3e29c44efc" providerId="ADAL" clId="{B67B1301-5EC6-D742-90CD-6E960294BC08}" dt="2025-05-20T17:59:12.989" v="717"/>
           <pc:sldLayoutMkLst>
@@ -1725,24 +474,6 @@
             <pc:sldMasterMk cId="1896442660" sldId="2147483660"/>
             <pc:sldLayoutMk cId="4011369698" sldId="2147483661"/>
           </pc:sldLayoutMkLst>
-          <pc:spChg chg="mod">
-            <ac:chgData name="Barkasi, Michael" userId="604489e9-c8b5-4a18-ae0d-3a3e29c44efc" providerId="ADAL" clId="{B67B1301-5EC6-D742-90CD-6E960294BC08}" dt="2025-05-20T17:59:12.989" v="717"/>
-            <ac:spMkLst>
-              <pc:docMk/>
-              <pc:sldMasterMk cId="1896442660" sldId="2147483660"/>
-              <pc:sldLayoutMk cId="4011369698" sldId="2147483661"/>
-              <ac:spMk id="2" creationId="{00000000-0000-0000-0000-000000000000}"/>
-            </ac:spMkLst>
-          </pc:spChg>
-          <pc:spChg chg="mod">
-            <ac:chgData name="Barkasi, Michael" userId="604489e9-c8b5-4a18-ae0d-3a3e29c44efc" providerId="ADAL" clId="{B67B1301-5EC6-D742-90CD-6E960294BC08}" dt="2025-05-20T17:59:12.989" v="717"/>
-            <ac:spMkLst>
-              <pc:docMk/>
-              <pc:sldMasterMk cId="1896442660" sldId="2147483660"/>
-              <pc:sldLayoutMk cId="4011369698" sldId="2147483661"/>
-              <ac:spMk id="3" creationId="{00000000-0000-0000-0000-000000000000}"/>
-            </ac:spMkLst>
-          </pc:spChg>
         </pc:sldLayoutChg>
         <pc:sldLayoutChg chg="modSp">
           <pc:chgData name="Barkasi, Michael" userId="604489e9-c8b5-4a18-ae0d-3a3e29c44efc" providerId="ADAL" clId="{B67B1301-5EC6-D742-90CD-6E960294BC08}" dt="2025-05-20T17:59:12.989" v="717"/>
@@ -1751,24 +482,6 @@
             <pc:sldMasterMk cId="1896442660" sldId="2147483660"/>
             <pc:sldLayoutMk cId="3882268107" sldId="2147483663"/>
           </pc:sldLayoutMkLst>
-          <pc:spChg chg="mod">
-            <ac:chgData name="Barkasi, Michael" userId="604489e9-c8b5-4a18-ae0d-3a3e29c44efc" providerId="ADAL" clId="{B67B1301-5EC6-D742-90CD-6E960294BC08}" dt="2025-05-20T17:59:12.989" v="717"/>
-            <ac:spMkLst>
-              <pc:docMk/>
-              <pc:sldMasterMk cId="1896442660" sldId="2147483660"/>
-              <pc:sldLayoutMk cId="3882268107" sldId="2147483663"/>
-              <ac:spMk id="2" creationId="{00000000-0000-0000-0000-000000000000}"/>
-            </ac:spMkLst>
-          </pc:spChg>
-          <pc:spChg chg="mod">
-            <ac:chgData name="Barkasi, Michael" userId="604489e9-c8b5-4a18-ae0d-3a3e29c44efc" providerId="ADAL" clId="{B67B1301-5EC6-D742-90CD-6E960294BC08}" dt="2025-05-20T17:59:12.989" v="717"/>
-            <ac:spMkLst>
-              <pc:docMk/>
-              <pc:sldMasterMk cId="1896442660" sldId="2147483660"/>
-              <pc:sldLayoutMk cId="3882268107" sldId="2147483663"/>
-              <ac:spMk id="3" creationId="{00000000-0000-0000-0000-000000000000}"/>
-            </ac:spMkLst>
-          </pc:spChg>
         </pc:sldLayoutChg>
         <pc:sldLayoutChg chg="modSp">
           <pc:chgData name="Barkasi, Michael" userId="604489e9-c8b5-4a18-ae0d-3a3e29c44efc" providerId="ADAL" clId="{B67B1301-5EC6-D742-90CD-6E960294BC08}" dt="2025-05-20T17:59:12.989" v="717"/>
@@ -1777,24 +490,6 @@
             <pc:sldMasterMk cId="1896442660" sldId="2147483660"/>
             <pc:sldLayoutMk cId="4168689537" sldId="2147483664"/>
           </pc:sldLayoutMkLst>
-          <pc:spChg chg="mod">
-            <ac:chgData name="Barkasi, Michael" userId="604489e9-c8b5-4a18-ae0d-3a3e29c44efc" providerId="ADAL" clId="{B67B1301-5EC6-D742-90CD-6E960294BC08}" dt="2025-05-20T17:59:12.989" v="717"/>
-            <ac:spMkLst>
-              <pc:docMk/>
-              <pc:sldMasterMk cId="1896442660" sldId="2147483660"/>
-              <pc:sldLayoutMk cId="4168689537" sldId="2147483664"/>
-              <ac:spMk id="3" creationId="{00000000-0000-0000-0000-000000000000}"/>
-            </ac:spMkLst>
-          </pc:spChg>
-          <pc:spChg chg="mod">
-            <ac:chgData name="Barkasi, Michael" userId="604489e9-c8b5-4a18-ae0d-3a3e29c44efc" providerId="ADAL" clId="{B67B1301-5EC6-D742-90CD-6E960294BC08}" dt="2025-05-20T17:59:12.989" v="717"/>
-            <ac:spMkLst>
-              <pc:docMk/>
-              <pc:sldMasterMk cId="1896442660" sldId="2147483660"/>
-              <pc:sldLayoutMk cId="4168689537" sldId="2147483664"/>
-              <ac:spMk id="4" creationId="{00000000-0000-0000-0000-000000000000}"/>
-            </ac:spMkLst>
-          </pc:spChg>
         </pc:sldLayoutChg>
         <pc:sldLayoutChg chg="modSp">
           <pc:chgData name="Barkasi, Michael" userId="604489e9-c8b5-4a18-ae0d-3a3e29c44efc" providerId="ADAL" clId="{B67B1301-5EC6-D742-90CD-6E960294BC08}" dt="2025-05-20T17:59:12.989" v="717"/>
@@ -1803,51 +498,6 @@
             <pc:sldMasterMk cId="1896442660" sldId="2147483660"/>
             <pc:sldLayoutMk cId="4200240751" sldId="2147483665"/>
           </pc:sldLayoutMkLst>
-          <pc:spChg chg="mod">
-            <ac:chgData name="Barkasi, Michael" userId="604489e9-c8b5-4a18-ae0d-3a3e29c44efc" providerId="ADAL" clId="{B67B1301-5EC6-D742-90CD-6E960294BC08}" dt="2025-05-20T17:59:12.989" v="717"/>
-            <ac:spMkLst>
-              <pc:docMk/>
-              <pc:sldMasterMk cId="1896442660" sldId="2147483660"/>
-              <pc:sldLayoutMk cId="4200240751" sldId="2147483665"/>
-              <ac:spMk id="2" creationId="{00000000-0000-0000-0000-000000000000}"/>
-            </ac:spMkLst>
-          </pc:spChg>
-          <pc:spChg chg="mod">
-            <ac:chgData name="Barkasi, Michael" userId="604489e9-c8b5-4a18-ae0d-3a3e29c44efc" providerId="ADAL" clId="{B67B1301-5EC6-D742-90CD-6E960294BC08}" dt="2025-05-20T17:59:12.989" v="717"/>
-            <ac:spMkLst>
-              <pc:docMk/>
-              <pc:sldMasterMk cId="1896442660" sldId="2147483660"/>
-              <pc:sldLayoutMk cId="4200240751" sldId="2147483665"/>
-              <ac:spMk id="3" creationId="{00000000-0000-0000-0000-000000000000}"/>
-            </ac:spMkLst>
-          </pc:spChg>
-          <pc:spChg chg="mod">
-            <ac:chgData name="Barkasi, Michael" userId="604489e9-c8b5-4a18-ae0d-3a3e29c44efc" providerId="ADAL" clId="{B67B1301-5EC6-D742-90CD-6E960294BC08}" dt="2025-05-20T17:59:12.989" v="717"/>
-            <ac:spMkLst>
-              <pc:docMk/>
-              <pc:sldMasterMk cId="1896442660" sldId="2147483660"/>
-              <pc:sldLayoutMk cId="4200240751" sldId="2147483665"/>
-              <ac:spMk id="4" creationId="{00000000-0000-0000-0000-000000000000}"/>
-            </ac:spMkLst>
-          </pc:spChg>
-          <pc:spChg chg="mod">
-            <ac:chgData name="Barkasi, Michael" userId="604489e9-c8b5-4a18-ae0d-3a3e29c44efc" providerId="ADAL" clId="{B67B1301-5EC6-D742-90CD-6E960294BC08}" dt="2025-05-20T17:59:12.989" v="717"/>
-            <ac:spMkLst>
-              <pc:docMk/>
-              <pc:sldMasterMk cId="1896442660" sldId="2147483660"/>
-              <pc:sldLayoutMk cId="4200240751" sldId="2147483665"/>
-              <ac:spMk id="5" creationId="{00000000-0000-0000-0000-000000000000}"/>
-            </ac:spMkLst>
-          </pc:spChg>
-          <pc:spChg chg="mod">
-            <ac:chgData name="Barkasi, Michael" userId="604489e9-c8b5-4a18-ae0d-3a3e29c44efc" providerId="ADAL" clId="{B67B1301-5EC6-D742-90CD-6E960294BC08}" dt="2025-05-20T17:59:12.989" v="717"/>
-            <ac:spMkLst>
-              <pc:docMk/>
-              <pc:sldMasterMk cId="1896442660" sldId="2147483660"/>
-              <pc:sldLayoutMk cId="4200240751" sldId="2147483665"/>
-              <ac:spMk id="6" creationId="{00000000-0000-0000-0000-000000000000}"/>
-            </ac:spMkLst>
-          </pc:spChg>
         </pc:sldLayoutChg>
         <pc:sldLayoutChg chg="modSp">
           <pc:chgData name="Barkasi, Michael" userId="604489e9-c8b5-4a18-ae0d-3a3e29c44efc" providerId="ADAL" clId="{B67B1301-5EC6-D742-90CD-6E960294BC08}" dt="2025-05-20T17:59:12.989" v="717"/>
@@ -1856,33 +506,6 @@
             <pc:sldMasterMk cId="1896442660" sldId="2147483660"/>
             <pc:sldLayoutMk cId="100364016" sldId="2147483668"/>
           </pc:sldLayoutMkLst>
-          <pc:spChg chg="mod">
-            <ac:chgData name="Barkasi, Michael" userId="604489e9-c8b5-4a18-ae0d-3a3e29c44efc" providerId="ADAL" clId="{B67B1301-5EC6-D742-90CD-6E960294BC08}" dt="2025-05-20T17:59:12.989" v="717"/>
-            <ac:spMkLst>
-              <pc:docMk/>
-              <pc:sldMasterMk cId="1896442660" sldId="2147483660"/>
-              <pc:sldLayoutMk cId="100364016" sldId="2147483668"/>
-              <ac:spMk id="2" creationId="{00000000-0000-0000-0000-000000000000}"/>
-            </ac:spMkLst>
-          </pc:spChg>
-          <pc:spChg chg="mod">
-            <ac:chgData name="Barkasi, Michael" userId="604489e9-c8b5-4a18-ae0d-3a3e29c44efc" providerId="ADAL" clId="{B67B1301-5EC6-D742-90CD-6E960294BC08}" dt="2025-05-20T17:59:12.989" v="717"/>
-            <ac:spMkLst>
-              <pc:docMk/>
-              <pc:sldMasterMk cId="1896442660" sldId="2147483660"/>
-              <pc:sldLayoutMk cId="100364016" sldId="2147483668"/>
-              <ac:spMk id="3" creationId="{00000000-0000-0000-0000-000000000000}"/>
-            </ac:spMkLst>
-          </pc:spChg>
-          <pc:spChg chg="mod">
-            <ac:chgData name="Barkasi, Michael" userId="604489e9-c8b5-4a18-ae0d-3a3e29c44efc" providerId="ADAL" clId="{B67B1301-5EC6-D742-90CD-6E960294BC08}" dt="2025-05-20T17:59:12.989" v="717"/>
-            <ac:spMkLst>
-              <pc:docMk/>
-              <pc:sldMasterMk cId="1896442660" sldId="2147483660"/>
-              <pc:sldLayoutMk cId="100364016" sldId="2147483668"/>
-              <ac:spMk id="4" creationId="{00000000-0000-0000-0000-000000000000}"/>
-            </ac:spMkLst>
-          </pc:spChg>
         </pc:sldLayoutChg>
         <pc:sldLayoutChg chg="modSp">
           <pc:chgData name="Barkasi, Michael" userId="604489e9-c8b5-4a18-ae0d-3a3e29c44efc" providerId="ADAL" clId="{B67B1301-5EC6-D742-90CD-6E960294BC08}" dt="2025-05-20T17:59:12.989" v="717"/>
@@ -1891,33 +514,6 @@
             <pc:sldMasterMk cId="1896442660" sldId="2147483660"/>
             <pc:sldLayoutMk cId="3361062284" sldId="2147483669"/>
           </pc:sldLayoutMkLst>
-          <pc:spChg chg="mod">
-            <ac:chgData name="Barkasi, Michael" userId="604489e9-c8b5-4a18-ae0d-3a3e29c44efc" providerId="ADAL" clId="{B67B1301-5EC6-D742-90CD-6E960294BC08}" dt="2025-05-20T17:59:12.989" v="717"/>
-            <ac:spMkLst>
-              <pc:docMk/>
-              <pc:sldMasterMk cId="1896442660" sldId="2147483660"/>
-              <pc:sldLayoutMk cId="3361062284" sldId="2147483669"/>
-              <ac:spMk id="2" creationId="{00000000-0000-0000-0000-000000000000}"/>
-            </ac:spMkLst>
-          </pc:spChg>
-          <pc:spChg chg="mod">
-            <ac:chgData name="Barkasi, Michael" userId="604489e9-c8b5-4a18-ae0d-3a3e29c44efc" providerId="ADAL" clId="{B67B1301-5EC6-D742-90CD-6E960294BC08}" dt="2025-05-20T17:59:12.989" v="717"/>
-            <ac:spMkLst>
-              <pc:docMk/>
-              <pc:sldMasterMk cId="1896442660" sldId="2147483660"/>
-              <pc:sldLayoutMk cId="3361062284" sldId="2147483669"/>
-              <ac:spMk id="3" creationId="{00000000-0000-0000-0000-000000000000}"/>
-            </ac:spMkLst>
-          </pc:spChg>
-          <pc:spChg chg="mod">
-            <ac:chgData name="Barkasi, Michael" userId="604489e9-c8b5-4a18-ae0d-3a3e29c44efc" providerId="ADAL" clId="{B67B1301-5EC6-D742-90CD-6E960294BC08}" dt="2025-05-20T17:59:12.989" v="717"/>
-            <ac:spMkLst>
-              <pc:docMk/>
-              <pc:sldMasterMk cId="1896442660" sldId="2147483660"/>
-              <pc:sldLayoutMk cId="3361062284" sldId="2147483669"/>
-              <ac:spMk id="4" creationId="{00000000-0000-0000-0000-000000000000}"/>
-            </ac:spMkLst>
-          </pc:spChg>
         </pc:sldLayoutChg>
         <pc:sldLayoutChg chg="modSp">
           <pc:chgData name="Barkasi, Michael" userId="604489e9-c8b5-4a18-ae0d-3a3e29c44efc" providerId="ADAL" clId="{B67B1301-5EC6-D742-90CD-6E960294BC08}" dt="2025-05-20T17:59:12.989" v="717"/>
@@ -1926,24 +522,6 @@
             <pc:sldMasterMk cId="1896442660" sldId="2147483660"/>
             <pc:sldLayoutMk cId="2284225203" sldId="2147483671"/>
           </pc:sldLayoutMkLst>
-          <pc:spChg chg="mod">
-            <ac:chgData name="Barkasi, Michael" userId="604489e9-c8b5-4a18-ae0d-3a3e29c44efc" providerId="ADAL" clId="{B67B1301-5EC6-D742-90CD-6E960294BC08}" dt="2025-05-20T17:59:12.989" v="717"/>
-            <ac:spMkLst>
-              <pc:docMk/>
-              <pc:sldMasterMk cId="1896442660" sldId="2147483660"/>
-              <pc:sldLayoutMk cId="2284225203" sldId="2147483671"/>
-              <ac:spMk id="2" creationId="{00000000-0000-0000-0000-000000000000}"/>
-            </ac:spMkLst>
-          </pc:spChg>
-          <pc:spChg chg="mod">
-            <ac:chgData name="Barkasi, Michael" userId="604489e9-c8b5-4a18-ae0d-3a3e29c44efc" providerId="ADAL" clId="{B67B1301-5EC6-D742-90CD-6E960294BC08}" dt="2025-05-20T17:59:12.989" v="717"/>
-            <ac:spMkLst>
-              <pc:docMk/>
-              <pc:sldMasterMk cId="1896442660" sldId="2147483660"/>
-              <pc:sldLayoutMk cId="2284225203" sldId="2147483671"/>
-              <ac:spMk id="3" creationId="{00000000-0000-0000-0000-000000000000}"/>
-            </ac:spMkLst>
-          </pc:spChg>
         </pc:sldLayoutChg>
       </pc:sldMasterChg>
       <pc:sldMasterChg chg="modSp modSldLayout">
@@ -1952,46 +530,6 @@
           <pc:docMk/>
           <pc:sldMasterMk cId="2009279538" sldId="2147483672"/>
         </pc:sldMasterMkLst>
-        <pc:spChg chg="mod">
-          <ac:chgData name="Barkasi, Michael" userId="604489e9-c8b5-4a18-ae0d-3a3e29c44efc" providerId="ADAL" clId="{B67B1301-5EC6-D742-90CD-6E960294BC08}" dt="2025-05-20T17:59:50.416" v="719"/>
-          <ac:spMkLst>
-            <pc:docMk/>
-            <pc:sldMasterMk cId="2009279538" sldId="2147483672"/>
-            <ac:spMk id="2" creationId="{00000000-0000-0000-0000-000000000000}"/>
-          </ac:spMkLst>
-        </pc:spChg>
-        <pc:spChg chg="mod">
-          <ac:chgData name="Barkasi, Michael" userId="604489e9-c8b5-4a18-ae0d-3a3e29c44efc" providerId="ADAL" clId="{B67B1301-5EC6-D742-90CD-6E960294BC08}" dt="2025-05-20T17:59:50.416" v="719"/>
-          <ac:spMkLst>
-            <pc:docMk/>
-            <pc:sldMasterMk cId="2009279538" sldId="2147483672"/>
-            <ac:spMk id="3" creationId="{00000000-0000-0000-0000-000000000000}"/>
-          </ac:spMkLst>
-        </pc:spChg>
-        <pc:spChg chg="mod">
-          <ac:chgData name="Barkasi, Michael" userId="604489e9-c8b5-4a18-ae0d-3a3e29c44efc" providerId="ADAL" clId="{B67B1301-5EC6-D742-90CD-6E960294BC08}" dt="2025-05-20T17:59:50.416" v="719"/>
-          <ac:spMkLst>
-            <pc:docMk/>
-            <pc:sldMasterMk cId="2009279538" sldId="2147483672"/>
-            <ac:spMk id="4" creationId="{00000000-0000-0000-0000-000000000000}"/>
-          </ac:spMkLst>
-        </pc:spChg>
-        <pc:spChg chg="mod">
-          <ac:chgData name="Barkasi, Michael" userId="604489e9-c8b5-4a18-ae0d-3a3e29c44efc" providerId="ADAL" clId="{B67B1301-5EC6-D742-90CD-6E960294BC08}" dt="2025-05-20T17:59:50.416" v="719"/>
-          <ac:spMkLst>
-            <pc:docMk/>
-            <pc:sldMasterMk cId="2009279538" sldId="2147483672"/>
-            <ac:spMk id="5" creationId="{00000000-0000-0000-0000-000000000000}"/>
-          </ac:spMkLst>
-        </pc:spChg>
-        <pc:spChg chg="mod">
-          <ac:chgData name="Barkasi, Michael" userId="604489e9-c8b5-4a18-ae0d-3a3e29c44efc" providerId="ADAL" clId="{B67B1301-5EC6-D742-90CD-6E960294BC08}" dt="2025-05-20T17:59:50.416" v="719"/>
-          <ac:spMkLst>
-            <pc:docMk/>
-            <pc:sldMasterMk cId="2009279538" sldId="2147483672"/>
-            <ac:spMk id="6" creationId="{00000000-0000-0000-0000-000000000000}"/>
-          </ac:spMkLst>
-        </pc:spChg>
         <pc:sldLayoutChg chg="modSp">
           <pc:chgData name="Barkasi, Michael" userId="604489e9-c8b5-4a18-ae0d-3a3e29c44efc" providerId="ADAL" clId="{B67B1301-5EC6-D742-90CD-6E960294BC08}" dt="2025-05-20T17:59:50.416" v="719"/>
           <pc:sldLayoutMkLst>
@@ -1999,24 +537,6 @@
             <pc:sldMasterMk cId="2009279538" sldId="2147483672"/>
             <pc:sldLayoutMk cId="642497607" sldId="2147483673"/>
           </pc:sldLayoutMkLst>
-          <pc:spChg chg="mod">
-            <ac:chgData name="Barkasi, Michael" userId="604489e9-c8b5-4a18-ae0d-3a3e29c44efc" providerId="ADAL" clId="{B67B1301-5EC6-D742-90CD-6E960294BC08}" dt="2025-05-20T17:59:50.416" v="719"/>
-            <ac:spMkLst>
-              <pc:docMk/>
-              <pc:sldMasterMk cId="2009279538" sldId="2147483672"/>
-              <pc:sldLayoutMk cId="642497607" sldId="2147483673"/>
-              <ac:spMk id="2" creationId="{00000000-0000-0000-0000-000000000000}"/>
-            </ac:spMkLst>
-          </pc:spChg>
-          <pc:spChg chg="mod">
-            <ac:chgData name="Barkasi, Michael" userId="604489e9-c8b5-4a18-ae0d-3a3e29c44efc" providerId="ADAL" clId="{B67B1301-5EC6-D742-90CD-6E960294BC08}" dt="2025-05-20T17:59:50.416" v="719"/>
-            <ac:spMkLst>
-              <pc:docMk/>
-              <pc:sldMasterMk cId="2009279538" sldId="2147483672"/>
-              <pc:sldLayoutMk cId="642497607" sldId="2147483673"/>
-              <ac:spMk id="3" creationId="{00000000-0000-0000-0000-000000000000}"/>
-            </ac:spMkLst>
-          </pc:spChg>
         </pc:sldLayoutChg>
         <pc:sldLayoutChg chg="modSp">
           <pc:chgData name="Barkasi, Michael" userId="604489e9-c8b5-4a18-ae0d-3a3e29c44efc" providerId="ADAL" clId="{B67B1301-5EC6-D742-90CD-6E960294BC08}" dt="2025-05-20T17:59:50.416" v="719"/>
@@ -2025,24 +545,6 @@
             <pc:sldMasterMk cId="2009279538" sldId="2147483672"/>
             <pc:sldLayoutMk cId="75411345" sldId="2147483675"/>
           </pc:sldLayoutMkLst>
-          <pc:spChg chg="mod">
-            <ac:chgData name="Barkasi, Michael" userId="604489e9-c8b5-4a18-ae0d-3a3e29c44efc" providerId="ADAL" clId="{B67B1301-5EC6-D742-90CD-6E960294BC08}" dt="2025-05-20T17:59:50.416" v="719"/>
-            <ac:spMkLst>
-              <pc:docMk/>
-              <pc:sldMasterMk cId="2009279538" sldId="2147483672"/>
-              <pc:sldLayoutMk cId="75411345" sldId="2147483675"/>
-              <ac:spMk id="2" creationId="{00000000-0000-0000-0000-000000000000}"/>
-            </ac:spMkLst>
-          </pc:spChg>
-          <pc:spChg chg="mod">
-            <ac:chgData name="Barkasi, Michael" userId="604489e9-c8b5-4a18-ae0d-3a3e29c44efc" providerId="ADAL" clId="{B67B1301-5EC6-D742-90CD-6E960294BC08}" dt="2025-05-20T17:59:50.416" v="719"/>
-            <ac:spMkLst>
-              <pc:docMk/>
-              <pc:sldMasterMk cId="2009279538" sldId="2147483672"/>
-              <pc:sldLayoutMk cId="75411345" sldId="2147483675"/>
-              <ac:spMk id="3" creationId="{00000000-0000-0000-0000-000000000000}"/>
-            </ac:spMkLst>
-          </pc:spChg>
         </pc:sldLayoutChg>
         <pc:sldLayoutChg chg="modSp">
           <pc:chgData name="Barkasi, Michael" userId="604489e9-c8b5-4a18-ae0d-3a3e29c44efc" providerId="ADAL" clId="{B67B1301-5EC6-D742-90CD-6E960294BC08}" dt="2025-05-20T17:59:50.416" v="719"/>
@@ -2051,24 +553,6 @@
             <pc:sldMasterMk cId="2009279538" sldId="2147483672"/>
             <pc:sldLayoutMk cId="1438779787" sldId="2147483676"/>
           </pc:sldLayoutMkLst>
-          <pc:spChg chg="mod">
-            <ac:chgData name="Barkasi, Michael" userId="604489e9-c8b5-4a18-ae0d-3a3e29c44efc" providerId="ADAL" clId="{B67B1301-5EC6-D742-90CD-6E960294BC08}" dt="2025-05-20T17:59:50.416" v="719"/>
-            <ac:spMkLst>
-              <pc:docMk/>
-              <pc:sldMasterMk cId="2009279538" sldId="2147483672"/>
-              <pc:sldLayoutMk cId="1438779787" sldId="2147483676"/>
-              <ac:spMk id="3" creationId="{00000000-0000-0000-0000-000000000000}"/>
-            </ac:spMkLst>
-          </pc:spChg>
-          <pc:spChg chg="mod">
-            <ac:chgData name="Barkasi, Michael" userId="604489e9-c8b5-4a18-ae0d-3a3e29c44efc" providerId="ADAL" clId="{B67B1301-5EC6-D742-90CD-6E960294BC08}" dt="2025-05-20T17:59:50.416" v="719"/>
-            <ac:spMkLst>
-              <pc:docMk/>
-              <pc:sldMasterMk cId="2009279538" sldId="2147483672"/>
-              <pc:sldLayoutMk cId="1438779787" sldId="2147483676"/>
-              <ac:spMk id="4" creationId="{00000000-0000-0000-0000-000000000000}"/>
-            </ac:spMkLst>
-          </pc:spChg>
         </pc:sldLayoutChg>
         <pc:sldLayoutChg chg="modSp">
           <pc:chgData name="Barkasi, Michael" userId="604489e9-c8b5-4a18-ae0d-3a3e29c44efc" providerId="ADAL" clId="{B67B1301-5EC6-D742-90CD-6E960294BC08}" dt="2025-05-20T17:59:50.416" v="719"/>
@@ -2077,51 +561,6 @@
             <pc:sldMasterMk cId="2009279538" sldId="2147483672"/>
             <pc:sldLayoutMk cId="167070672" sldId="2147483677"/>
           </pc:sldLayoutMkLst>
-          <pc:spChg chg="mod">
-            <ac:chgData name="Barkasi, Michael" userId="604489e9-c8b5-4a18-ae0d-3a3e29c44efc" providerId="ADAL" clId="{B67B1301-5EC6-D742-90CD-6E960294BC08}" dt="2025-05-20T17:59:50.416" v="719"/>
-            <ac:spMkLst>
-              <pc:docMk/>
-              <pc:sldMasterMk cId="2009279538" sldId="2147483672"/>
-              <pc:sldLayoutMk cId="167070672" sldId="2147483677"/>
-              <ac:spMk id="2" creationId="{00000000-0000-0000-0000-000000000000}"/>
-            </ac:spMkLst>
-          </pc:spChg>
-          <pc:spChg chg="mod">
-            <ac:chgData name="Barkasi, Michael" userId="604489e9-c8b5-4a18-ae0d-3a3e29c44efc" providerId="ADAL" clId="{B67B1301-5EC6-D742-90CD-6E960294BC08}" dt="2025-05-20T17:59:50.416" v="719"/>
-            <ac:spMkLst>
-              <pc:docMk/>
-              <pc:sldMasterMk cId="2009279538" sldId="2147483672"/>
-              <pc:sldLayoutMk cId="167070672" sldId="2147483677"/>
-              <ac:spMk id="3" creationId="{00000000-0000-0000-0000-000000000000}"/>
-            </ac:spMkLst>
-          </pc:spChg>
-          <pc:spChg chg="mod">
-            <ac:chgData name="Barkasi, Michael" userId="604489e9-c8b5-4a18-ae0d-3a3e29c44efc" providerId="ADAL" clId="{B67B1301-5EC6-D742-90CD-6E960294BC08}" dt="2025-05-20T17:59:50.416" v="719"/>
-            <ac:spMkLst>
-              <pc:docMk/>
-              <pc:sldMasterMk cId="2009279538" sldId="2147483672"/>
-              <pc:sldLayoutMk cId="167070672" sldId="2147483677"/>
-              <ac:spMk id="4" creationId="{00000000-0000-0000-0000-000000000000}"/>
-            </ac:spMkLst>
-          </pc:spChg>
-          <pc:spChg chg="mod">
-            <ac:chgData name="Barkasi, Michael" userId="604489e9-c8b5-4a18-ae0d-3a3e29c44efc" providerId="ADAL" clId="{B67B1301-5EC6-D742-90CD-6E960294BC08}" dt="2025-05-20T17:59:50.416" v="719"/>
-            <ac:spMkLst>
-              <pc:docMk/>
-              <pc:sldMasterMk cId="2009279538" sldId="2147483672"/>
-              <pc:sldLayoutMk cId="167070672" sldId="2147483677"/>
-              <ac:spMk id="5" creationId="{00000000-0000-0000-0000-000000000000}"/>
-            </ac:spMkLst>
-          </pc:spChg>
-          <pc:spChg chg="mod">
-            <ac:chgData name="Barkasi, Michael" userId="604489e9-c8b5-4a18-ae0d-3a3e29c44efc" providerId="ADAL" clId="{B67B1301-5EC6-D742-90CD-6E960294BC08}" dt="2025-05-20T17:59:50.416" v="719"/>
-            <ac:spMkLst>
-              <pc:docMk/>
-              <pc:sldMasterMk cId="2009279538" sldId="2147483672"/>
-              <pc:sldLayoutMk cId="167070672" sldId="2147483677"/>
-              <ac:spMk id="6" creationId="{00000000-0000-0000-0000-000000000000}"/>
-            </ac:spMkLst>
-          </pc:spChg>
         </pc:sldLayoutChg>
         <pc:sldLayoutChg chg="modSp">
           <pc:chgData name="Barkasi, Michael" userId="604489e9-c8b5-4a18-ae0d-3a3e29c44efc" providerId="ADAL" clId="{B67B1301-5EC6-D742-90CD-6E960294BC08}" dt="2025-05-20T17:59:50.416" v="719"/>
@@ -2130,33 +569,6 @@
             <pc:sldMasterMk cId="2009279538" sldId="2147483672"/>
             <pc:sldLayoutMk cId="256964737" sldId="2147483680"/>
           </pc:sldLayoutMkLst>
-          <pc:spChg chg="mod">
-            <ac:chgData name="Barkasi, Michael" userId="604489e9-c8b5-4a18-ae0d-3a3e29c44efc" providerId="ADAL" clId="{B67B1301-5EC6-D742-90CD-6E960294BC08}" dt="2025-05-20T17:59:50.416" v="719"/>
-            <ac:spMkLst>
-              <pc:docMk/>
-              <pc:sldMasterMk cId="2009279538" sldId="2147483672"/>
-              <pc:sldLayoutMk cId="256964737" sldId="2147483680"/>
-              <ac:spMk id="2" creationId="{00000000-0000-0000-0000-000000000000}"/>
-            </ac:spMkLst>
-          </pc:spChg>
-          <pc:spChg chg="mod">
-            <ac:chgData name="Barkasi, Michael" userId="604489e9-c8b5-4a18-ae0d-3a3e29c44efc" providerId="ADAL" clId="{B67B1301-5EC6-D742-90CD-6E960294BC08}" dt="2025-05-20T17:59:50.416" v="719"/>
-            <ac:spMkLst>
-              <pc:docMk/>
-              <pc:sldMasterMk cId="2009279538" sldId="2147483672"/>
-              <pc:sldLayoutMk cId="256964737" sldId="2147483680"/>
-              <ac:spMk id="3" creationId="{00000000-0000-0000-0000-000000000000}"/>
-            </ac:spMkLst>
-          </pc:spChg>
-          <pc:spChg chg="mod">
-            <ac:chgData name="Barkasi, Michael" userId="604489e9-c8b5-4a18-ae0d-3a3e29c44efc" providerId="ADAL" clId="{B67B1301-5EC6-D742-90CD-6E960294BC08}" dt="2025-05-20T17:59:50.416" v="719"/>
-            <ac:spMkLst>
-              <pc:docMk/>
-              <pc:sldMasterMk cId="2009279538" sldId="2147483672"/>
-              <pc:sldLayoutMk cId="256964737" sldId="2147483680"/>
-              <ac:spMk id="4" creationId="{00000000-0000-0000-0000-000000000000}"/>
-            </ac:spMkLst>
-          </pc:spChg>
         </pc:sldLayoutChg>
         <pc:sldLayoutChg chg="modSp">
           <pc:chgData name="Barkasi, Michael" userId="604489e9-c8b5-4a18-ae0d-3a3e29c44efc" providerId="ADAL" clId="{B67B1301-5EC6-D742-90CD-6E960294BC08}" dt="2025-05-20T17:59:50.416" v="719"/>
@@ -2165,33 +577,6 @@
             <pc:sldMasterMk cId="2009279538" sldId="2147483672"/>
             <pc:sldLayoutMk cId="332377286" sldId="2147483681"/>
           </pc:sldLayoutMkLst>
-          <pc:spChg chg="mod">
-            <ac:chgData name="Barkasi, Michael" userId="604489e9-c8b5-4a18-ae0d-3a3e29c44efc" providerId="ADAL" clId="{B67B1301-5EC6-D742-90CD-6E960294BC08}" dt="2025-05-20T17:59:50.416" v="719"/>
-            <ac:spMkLst>
-              <pc:docMk/>
-              <pc:sldMasterMk cId="2009279538" sldId="2147483672"/>
-              <pc:sldLayoutMk cId="332377286" sldId="2147483681"/>
-              <ac:spMk id="2" creationId="{00000000-0000-0000-0000-000000000000}"/>
-            </ac:spMkLst>
-          </pc:spChg>
-          <pc:spChg chg="mod">
-            <ac:chgData name="Barkasi, Michael" userId="604489e9-c8b5-4a18-ae0d-3a3e29c44efc" providerId="ADAL" clId="{B67B1301-5EC6-D742-90CD-6E960294BC08}" dt="2025-05-20T17:59:50.416" v="719"/>
-            <ac:spMkLst>
-              <pc:docMk/>
-              <pc:sldMasterMk cId="2009279538" sldId="2147483672"/>
-              <pc:sldLayoutMk cId="332377286" sldId="2147483681"/>
-              <ac:spMk id="3" creationId="{00000000-0000-0000-0000-000000000000}"/>
-            </ac:spMkLst>
-          </pc:spChg>
-          <pc:spChg chg="mod">
-            <ac:chgData name="Barkasi, Michael" userId="604489e9-c8b5-4a18-ae0d-3a3e29c44efc" providerId="ADAL" clId="{B67B1301-5EC6-D742-90CD-6E960294BC08}" dt="2025-05-20T17:59:50.416" v="719"/>
-            <ac:spMkLst>
-              <pc:docMk/>
-              <pc:sldMasterMk cId="2009279538" sldId="2147483672"/>
-              <pc:sldLayoutMk cId="332377286" sldId="2147483681"/>
-              <ac:spMk id="4" creationId="{00000000-0000-0000-0000-000000000000}"/>
-            </ac:spMkLst>
-          </pc:spChg>
         </pc:sldLayoutChg>
         <pc:sldLayoutChg chg="modSp">
           <pc:chgData name="Barkasi, Michael" userId="604489e9-c8b5-4a18-ae0d-3a3e29c44efc" providerId="ADAL" clId="{B67B1301-5EC6-D742-90CD-6E960294BC08}" dt="2025-05-20T17:59:50.416" v="719"/>
@@ -2200,24 +585,6 @@
             <pc:sldMasterMk cId="2009279538" sldId="2147483672"/>
             <pc:sldLayoutMk cId="3733398705" sldId="2147483683"/>
           </pc:sldLayoutMkLst>
-          <pc:spChg chg="mod">
-            <ac:chgData name="Barkasi, Michael" userId="604489e9-c8b5-4a18-ae0d-3a3e29c44efc" providerId="ADAL" clId="{B67B1301-5EC6-D742-90CD-6E960294BC08}" dt="2025-05-20T17:59:50.416" v="719"/>
-            <ac:spMkLst>
-              <pc:docMk/>
-              <pc:sldMasterMk cId="2009279538" sldId="2147483672"/>
-              <pc:sldLayoutMk cId="3733398705" sldId="2147483683"/>
-              <ac:spMk id="2" creationId="{00000000-0000-0000-0000-000000000000}"/>
-            </ac:spMkLst>
-          </pc:spChg>
-          <pc:spChg chg="mod">
-            <ac:chgData name="Barkasi, Michael" userId="604489e9-c8b5-4a18-ae0d-3a3e29c44efc" providerId="ADAL" clId="{B67B1301-5EC6-D742-90CD-6E960294BC08}" dt="2025-05-20T17:59:50.416" v="719"/>
-            <ac:spMkLst>
-              <pc:docMk/>
-              <pc:sldMasterMk cId="2009279538" sldId="2147483672"/>
-              <pc:sldLayoutMk cId="3733398705" sldId="2147483683"/>
-              <ac:spMk id="3" creationId="{00000000-0000-0000-0000-000000000000}"/>
-            </ac:spMkLst>
-          </pc:spChg>
         </pc:sldLayoutChg>
       </pc:sldMasterChg>
     </pc:docChg>
@@ -2307,7 +674,7 @@
           <a:p>
             <a:fld id="{7B2CF34B-B2C8-FB44-89FA-B90897E6E7A5}" type="datetimeFigureOut">
               <a:rPr lang="en-US" smtClean="0"/>
-              <a:t>5/20/25</a:t>
+              <a:t>5/24/25</a:t>
             </a:fld>
             <a:endParaRPr lang="en-US"/>
           </a:p>
@@ -2797,7 +1164,7 @@
           <a:p>
             <a:fld id="{0671BF96-9467-0B49-AF35-7149D7F70E39}" type="datetimeFigureOut">
               <a:rPr lang="en-US" smtClean="0"/>
-              <a:t>5/20/25</a:t>
+              <a:t>5/24/25</a:t>
             </a:fld>
             <a:endParaRPr lang="en-US"/>
           </a:p>
@@ -2967,7 +1334,7 @@
           <a:p>
             <a:fld id="{0671BF96-9467-0B49-AF35-7149D7F70E39}" type="datetimeFigureOut">
               <a:rPr lang="en-US" smtClean="0"/>
-              <a:t>5/20/25</a:t>
+              <a:t>5/24/25</a:t>
             </a:fld>
             <a:endParaRPr lang="en-US"/>
           </a:p>
@@ -3147,7 +1514,7 @@
           <a:p>
             <a:fld id="{0671BF96-9467-0B49-AF35-7149D7F70E39}" type="datetimeFigureOut">
               <a:rPr lang="en-US" smtClean="0"/>
-              <a:t>5/20/25</a:t>
+              <a:t>5/24/25</a:t>
             </a:fld>
             <a:endParaRPr lang="en-US"/>
           </a:p>
@@ -3317,7 +1684,7 @@
           <a:p>
             <a:fld id="{0671BF96-9467-0B49-AF35-7149D7F70E39}" type="datetimeFigureOut">
               <a:rPr lang="en-US" smtClean="0"/>
-              <a:t>5/20/25</a:t>
+              <a:t>5/24/25</a:t>
             </a:fld>
             <a:endParaRPr lang="en-US"/>
           </a:p>
@@ -3563,7 +1930,7 @@
           <a:p>
             <a:fld id="{0671BF96-9467-0B49-AF35-7149D7F70E39}" type="datetimeFigureOut">
               <a:rPr lang="en-US" smtClean="0"/>
-              <a:t>5/20/25</a:t>
+              <a:t>5/24/25</a:t>
             </a:fld>
             <a:endParaRPr lang="en-US"/>
           </a:p>
@@ -3795,7 +2162,7 @@
           <a:p>
             <a:fld id="{0671BF96-9467-0B49-AF35-7149D7F70E39}" type="datetimeFigureOut">
               <a:rPr lang="en-US" smtClean="0"/>
-              <a:t>5/20/25</a:t>
+              <a:t>5/24/25</a:t>
             </a:fld>
             <a:endParaRPr lang="en-US"/>
           </a:p>
@@ -4162,7 +2529,7 @@
           <a:p>
             <a:fld id="{0671BF96-9467-0B49-AF35-7149D7F70E39}" type="datetimeFigureOut">
               <a:rPr lang="en-US" smtClean="0"/>
-              <a:t>5/20/25</a:t>
+              <a:t>5/24/25</a:t>
             </a:fld>
             <a:endParaRPr lang="en-US"/>
           </a:p>
@@ -4280,7 +2647,7 @@
           <a:p>
             <a:fld id="{0671BF96-9467-0B49-AF35-7149D7F70E39}" type="datetimeFigureOut">
               <a:rPr lang="en-US" smtClean="0"/>
-              <a:t>5/20/25</a:t>
+              <a:t>5/24/25</a:t>
             </a:fld>
             <a:endParaRPr lang="en-US"/>
           </a:p>
@@ -4375,7 +2742,7 @@
           <a:p>
             <a:fld id="{0671BF96-9467-0B49-AF35-7149D7F70E39}" type="datetimeFigureOut">
               <a:rPr lang="en-US" smtClean="0"/>
-              <a:t>5/20/25</a:t>
+              <a:t>5/24/25</a:t>
             </a:fld>
             <a:endParaRPr lang="en-US"/>
           </a:p>
@@ -4652,7 +3019,7 @@
           <a:p>
             <a:fld id="{0671BF96-9467-0B49-AF35-7149D7F70E39}" type="datetimeFigureOut">
               <a:rPr lang="en-US" smtClean="0"/>
-              <a:t>5/20/25</a:t>
+              <a:t>5/24/25</a:t>
             </a:fld>
             <a:endParaRPr lang="en-US"/>
           </a:p>
@@ -4909,7 +3276,7 @@
           <a:p>
             <a:fld id="{0671BF96-9467-0B49-AF35-7149D7F70E39}" type="datetimeFigureOut">
               <a:rPr lang="en-US" smtClean="0"/>
-              <a:t>5/20/25</a:t>
+              <a:t>5/24/25</a:t>
             </a:fld>
             <a:endParaRPr lang="en-US"/>
           </a:p>
@@ -5123,7 +3490,7 @@
             <a:fld id="{0671BF96-9467-0B49-AF35-7149D7F70E39}" type="datetimeFigureOut">
               <a:rPr lang="en-US" smtClean="0"/>
               <a:pPr/>
-              <a:t>5/20/25</a:t>
+              <a:t>5/24/25</a:t>
             </a:fld>
             <a:endParaRPr lang="en-US" dirty="0"/>
           </a:p>
@@ -5663,28 +4030,22 @@
               <a:buChar char="•"/>
             </a:pPr>
             <a:r>
+              <a:rPr lang="en-US" sz="1600">
+                <a:solidFill>
+                  <a:schemeClr val="tx1"/>
+                </a:solidFill>
+                <a:latin typeface="Arial" panose="020B0604020202020204" pitchFamily="34" charset="0"/>
+              </a:rPr>
+              <a:t>Coordinate </a:t>
+            </a:r>
+            <a:r>
               <a:rPr lang="en-US" sz="1600" dirty="0">
                 <a:solidFill>
                   <a:schemeClr val="tx1"/>
                 </a:solidFill>
                 <a:latin typeface="Arial" panose="020B0604020202020204" pitchFamily="34" charset="0"/>
               </a:rPr>
-              <a:t>CCF Registration*</a:t>
-            </a:r>
-          </a:p>
-          <a:p>
-            <a:pPr marL="285750" indent="-285750">
-              <a:buFont typeface="Arial" panose="020B0604020202020204" pitchFamily="34" charset="0"/>
-              <a:buChar char="•"/>
-            </a:pPr>
-            <a:r>
-              <a:rPr lang="en-US" sz="1600" dirty="0">
-                <a:solidFill>
-                  <a:schemeClr val="tx1"/>
-                </a:solidFill>
-                <a:latin typeface="Arial" panose="020B0604020202020204" pitchFamily="34" charset="0"/>
-              </a:rPr>
-              <a:t>Coordinate Transformation</a:t>
+              <a:t>Transformation</a:t>
             </a:r>
           </a:p>
           <a:p>
